--- a/Documentation/Intel_Unnati_Submission.pptx
+++ b/Documentation/Intel_Unnati_Submission.pptx
@@ -25,6 +25,7 @@
     <p:sldId id="269" r:id="rId20"/>
     <p:sldId id="270" r:id="rId21"/>
     <p:sldId id="271" r:id="rId22"/>
+    <p:sldId id="272" r:id="rId23"/>
   </p:sldIdLst>
   <p:sldSz cy="5143500" cx="9144000"/>
   <p:notesSz cx="6858000" cy="9144000"/>
@@ -806,7 +807,7 @@
   <p:cSld>
     <p:spTree>
       <p:nvGrpSpPr>
-        <p:cNvPr id="142" name="Shape 142"/>
+        <p:cNvPr id="141" name="Shape 141"/>
         <p:cNvGrpSpPr/>
         <p:nvPr/>
       </p:nvGrpSpPr>
@@ -820,7 +821,7 @@
       </p:grpSpPr>
       <p:sp>
         <p:nvSpPr>
-          <p:cNvPr id="143" name="Google Shape;143;g2ea34466626_0_60:notes"/>
+          <p:cNvPr id="142" name="Google Shape;142;g2ea34466626_0_72:notes"/>
           <p:cNvSpPr txBox="1"/>
           <p:nvPr>
             <p:ph idx="1" type="body"/>
@@ -859,7 +860,7 @@
       </p:sp>
       <p:sp>
         <p:nvSpPr>
-          <p:cNvPr id="144" name="Google Shape;144;g2ea34466626_0_60:notes"/>
+          <p:cNvPr id="143" name="Google Shape;143;g2ea34466626_0_72:notes"/>
           <p:cNvSpPr/>
           <p:nvPr>
             <p:ph idx="2" type="sldImg"/>
@@ -905,7 +906,7 @@
   <p:cSld>
     <p:spTree>
       <p:nvGrpSpPr>
-        <p:cNvPr id="150" name="Shape 150"/>
+        <p:cNvPr id="147" name="Shape 147"/>
         <p:cNvGrpSpPr/>
         <p:nvPr/>
       </p:nvGrpSpPr>
@@ -919,7 +920,7 @@
       </p:grpSpPr>
       <p:sp>
         <p:nvSpPr>
-          <p:cNvPr id="151" name="Google Shape;151;g2ea34466626_0_6:notes"/>
+          <p:cNvPr id="148" name="Google Shape;148;g2ea34466626_0_60:notes"/>
           <p:cNvSpPr txBox="1"/>
           <p:nvPr>
             <p:ph idx="1" type="body"/>
@@ -958,7 +959,7 @@
       </p:sp>
       <p:sp>
         <p:nvSpPr>
-          <p:cNvPr id="152" name="Google Shape;152;g2ea34466626_0_6:notes"/>
+          <p:cNvPr id="149" name="Google Shape;149;g2ea34466626_0_60:notes"/>
           <p:cNvSpPr/>
           <p:nvPr>
             <p:ph idx="2" type="sldImg"/>
@@ -1004,7 +1005,7 @@
   <p:cSld>
     <p:spTree>
       <p:nvGrpSpPr>
-        <p:cNvPr id="157" name="Shape 157"/>
+        <p:cNvPr id="155" name="Shape 155"/>
         <p:cNvGrpSpPr/>
         <p:nvPr/>
       </p:nvGrpSpPr>
@@ -1018,7 +1019,7 @@
       </p:grpSpPr>
       <p:sp>
         <p:nvSpPr>
-          <p:cNvPr id="158" name="Google Shape;158;g2ea34466626_0_64:notes"/>
+          <p:cNvPr id="156" name="Google Shape;156;g2ea34466626_0_6:notes"/>
           <p:cNvSpPr txBox="1"/>
           <p:nvPr>
             <p:ph idx="1" type="body"/>
@@ -1057,7 +1058,7 @@
       </p:sp>
       <p:sp>
         <p:nvSpPr>
-          <p:cNvPr id="159" name="Google Shape;159;g2ea34466626_0_64:notes"/>
+          <p:cNvPr id="157" name="Google Shape;157;g2ea34466626_0_6:notes"/>
           <p:cNvSpPr/>
           <p:nvPr>
             <p:ph idx="2" type="sldImg"/>
@@ -1103,7 +1104,7 @@
   <p:cSld>
     <p:spTree>
       <p:nvGrpSpPr>
-        <p:cNvPr id="163" name="Shape 163"/>
+        <p:cNvPr id="162" name="Shape 162"/>
         <p:cNvGrpSpPr/>
         <p:nvPr/>
       </p:nvGrpSpPr>
@@ -1117,7 +1118,7 @@
       </p:grpSpPr>
       <p:sp>
         <p:nvSpPr>
-          <p:cNvPr id="164" name="Google Shape;164;g2ea34466626_0_93:notes"/>
+          <p:cNvPr id="163" name="Google Shape;163;g2ea34466626_0_64:notes"/>
           <p:cNvSpPr txBox="1"/>
           <p:nvPr>
             <p:ph idx="1" type="body"/>
@@ -1156,7 +1157,7 @@
       </p:sp>
       <p:sp>
         <p:nvSpPr>
-          <p:cNvPr id="165" name="Google Shape;165;g2ea34466626_0_93:notes"/>
+          <p:cNvPr id="164" name="Google Shape;164;g2ea34466626_0_64:notes"/>
           <p:cNvSpPr/>
           <p:nvPr>
             <p:ph idx="2" type="sldImg"/>
@@ -1202,7 +1203,7 @@
   <p:cSld>
     <p:spTree>
       <p:nvGrpSpPr>
-        <p:cNvPr id="169" name="Shape 169"/>
+        <p:cNvPr id="168" name="Shape 168"/>
         <p:cNvGrpSpPr/>
         <p:nvPr/>
       </p:nvGrpSpPr>
@@ -1216,7 +1217,7 @@
       </p:grpSpPr>
       <p:sp>
         <p:nvSpPr>
-          <p:cNvPr id="170" name="Google Shape;170;g2ea34466626_0_102:notes"/>
+          <p:cNvPr id="169" name="Google Shape;169;g2ea34466626_0_93:notes"/>
           <p:cNvSpPr txBox="1"/>
           <p:nvPr>
             <p:ph idx="1" type="body"/>
@@ -1255,7 +1256,7 @@
       </p:sp>
       <p:sp>
         <p:nvSpPr>
-          <p:cNvPr id="171" name="Google Shape;171;g2ea34466626_0_102:notes"/>
+          <p:cNvPr id="170" name="Google Shape;170;g2ea34466626_0_93:notes"/>
           <p:cNvSpPr/>
           <p:nvPr>
             <p:ph idx="2" type="sldImg"/>
@@ -1301,7 +1302,7 @@
   <p:cSld>
     <p:spTree>
       <p:nvGrpSpPr>
-        <p:cNvPr id="175" name="Shape 175"/>
+        <p:cNvPr id="174" name="Shape 174"/>
         <p:cNvGrpSpPr/>
         <p:nvPr/>
       </p:nvGrpSpPr>
@@ -1315,7 +1316,7 @@
       </p:grpSpPr>
       <p:sp>
         <p:nvSpPr>
-          <p:cNvPr id="176" name="Google Shape;176;g2ea3bad0be5_1_56:notes"/>
+          <p:cNvPr id="175" name="Google Shape;175;g2ea34466626_0_102:notes"/>
           <p:cNvSpPr txBox="1"/>
           <p:nvPr>
             <p:ph idx="1" type="body"/>
@@ -1354,7 +1355,106 @@
       </p:sp>
       <p:sp>
         <p:nvSpPr>
-          <p:cNvPr id="177" name="Google Shape;177;g2ea3bad0be5_1_56:notes"/>
+          <p:cNvPr id="176" name="Google Shape;176;g2ea34466626_0_102:notes"/>
+          <p:cNvSpPr/>
+          <p:nvPr>
+            <p:ph idx="2" type="sldImg"/>
+          </p:nvPr>
+        </p:nvSpPr>
+        <p:spPr>
+          <a:xfrm>
+            <a:off x="1143225" y="685778"/>
+            <a:ext cx="4572300" cy="3429000"/>
+          </a:xfrm>
+          <a:custGeom>
+            <a:rect b="b" l="l" r="r" t="t"/>
+            <a:pathLst>
+              <a:path extrusionOk="0" h="120000" w="120000">
+                <a:moveTo>
+                  <a:pt x="0" y="0"/>
+                </a:moveTo>
+                <a:lnTo>
+                  <a:pt x="120000" y="0"/>
+                </a:lnTo>
+                <a:lnTo>
+                  <a:pt x="120000" y="120000"/>
+                </a:lnTo>
+                <a:lnTo>
+                  <a:pt x="0" y="120000"/>
+                </a:lnTo>
+                <a:close/>
+              </a:path>
+            </a:pathLst>
+          </a:custGeom>
+        </p:spPr>
+      </p:sp>
+    </p:spTree>
+  </p:cSld>
+  <p:clrMapOvr>
+    <a:masterClrMapping/>
+  </p:clrMapOvr>
+</p:notes>
+</file>
+
+<file path=ppt/notesSlides/notesSlide16.xml><?xml version="1.0" encoding="utf-8"?>
+<p:notes xmlns:a="http://schemas.openxmlformats.org/drawingml/2006/main" xmlns:r="http://schemas.openxmlformats.org/officeDocument/2006/relationships" xmlns:mc="http://schemas.openxmlformats.org/markup-compatibility/2006" xmlns:mv="urn:schemas-microsoft-com:mac:vml" xmlns:p="http://schemas.openxmlformats.org/presentationml/2006/main" xmlns:c="http://schemas.openxmlformats.org/drawingml/2006/chart" xmlns:dgm="http://schemas.openxmlformats.org/drawingml/2006/diagram" xmlns:o="urn:schemas-microsoft-com:office:office" xmlns:v="urn:schemas-microsoft-com:vml" xmlns:pvml="urn:schemas-microsoft-com:office:powerpoint" xmlns:com="http://schemas.openxmlformats.org/drawingml/2006/compatibility" xmlns:p14="http://schemas.microsoft.com/office/powerpoint/2010/main" xmlns:p15="http://schemas.microsoft.com/office/powerpoint/2012/main" xmlns:ahyp="http://schemas.microsoft.com/office/drawing/2018/hyperlinkcolor" showMasterPhAnim="0" showMasterSp="0">
+  <p:cSld>
+    <p:spTree>
+      <p:nvGrpSpPr>
+        <p:cNvPr id="180" name="Shape 180"/>
+        <p:cNvGrpSpPr/>
+        <p:nvPr/>
+      </p:nvGrpSpPr>
+      <p:grpSpPr>
+        <a:xfrm>
+          <a:off x="0" y="0"/>
+          <a:ext cx="0" cy="0"/>
+          <a:chOff x="0" y="0"/>
+          <a:chExt cx="0" cy="0"/>
+        </a:xfrm>
+      </p:grpSpPr>
+      <p:sp>
+        <p:nvSpPr>
+          <p:cNvPr id="181" name="Google Shape;181;g2ea3bad0be5_1_56:notes"/>
+          <p:cNvSpPr txBox="1"/>
+          <p:nvPr>
+            <p:ph idx="1" type="body"/>
+          </p:nvPr>
+        </p:nvSpPr>
+        <p:spPr>
+          <a:xfrm>
+            <a:off x="685800" y="4343378"/>
+            <a:ext cx="5486400" cy="4114800"/>
+          </a:xfrm>
+          <a:prstGeom prst="rect">
+            <a:avLst/>
+          </a:prstGeom>
+        </p:spPr>
+        <p:txBody>
+          <a:bodyPr anchorCtr="0" anchor="t" bIns="91425" lIns="91425" spcFirstLastPara="1" rIns="91425" wrap="square" tIns="91425">
+            <a:noAutofit/>
+          </a:bodyPr>
+          <a:lstStyle/>
+          <a:p>
+            <a:pPr indent="0" lvl="0" marL="0" rtl="0" algn="l">
+              <a:spcBef>
+                <a:spcPts val="0"/>
+              </a:spcBef>
+              <a:spcAft>
+                <a:spcPts val="0"/>
+              </a:spcAft>
+              <a:buNone/>
+            </a:pPr>
+            <a:r>
+              <a:t/>
+            </a:r>
+            <a:endParaRPr/>
+          </a:p>
+        </p:txBody>
+      </p:sp>
+      <p:sp>
+        <p:nvSpPr>
+          <p:cNvPr id="182" name="Google Shape;182;g2ea3bad0be5_1_56:notes"/>
           <p:cNvSpPr/>
           <p:nvPr>
             <p:ph idx="2" type="sldImg"/>
@@ -1395,12 +1495,12 @@
 </p:notes>
 </file>
 
-<file path=ppt/notesSlides/notesSlide16.xml><?xml version="1.0" encoding="utf-8"?>
+<file path=ppt/notesSlides/notesSlide17.xml><?xml version="1.0" encoding="utf-8"?>
 <p:notes xmlns:a="http://schemas.openxmlformats.org/drawingml/2006/main" xmlns:r="http://schemas.openxmlformats.org/officeDocument/2006/relationships" xmlns:mc="http://schemas.openxmlformats.org/markup-compatibility/2006" xmlns:mv="urn:schemas-microsoft-com:mac:vml" xmlns:p="http://schemas.openxmlformats.org/presentationml/2006/main" xmlns:c="http://schemas.openxmlformats.org/drawingml/2006/chart" xmlns:dgm="http://schemas.openxmlformats.org/drawingml/2006/diagram" xmlns:o="urn:schemas-microsoft-com:office:office" xmlns:v="urn:schemas-microsoft-com:vml" xmlns:pvml="urn:schemas-microsoft-com:office:powerpoint" xmlns:com="http://schemas.openxmlformats.org/drawingml/2006/compatibility" xmlns:p14="http://schemas.microsoft.com/office/powerpoint/2010/main" xmlns:p15="http://schemas.microsoft.com/office/powerpoint/2012/main" xmlns:ahyp="http://schemas.microsoft.com/office/drawing/2018/hyperlinkcolor" showMasterPhAnim="0" showMasterSp="0">
   <p:cSld>
     <p:spTree>
       <p:nvGrpSpPr>
-        <p:cNvPr id="187" name="Shape 187"/>
+        <p:cNvPr id="192" name="Shape 192"/>
         <p:cNvGrpSpPr/>
         <p:nvPr/>
       </p:nvGrpSpPr>
@@ -1414,7 +1514,7 @@
       </p:grpSpPr>
       <p:sp>
         <p:nvSpPr>
-          <p:cNvPr id="188" name="Google Shape;188;g2ea3bad0be5_1_64:notes"/>
+          <p:cNvPr id="193" name="Google Shape;193;g2ea3bad0be5_1_64:notes"/>
           <p:cNvSpPr txBox="1"/>
           <p:nvPr>
             <p:ph idx="1" type="body"/>
@@ -1453,7 +1553,7 @@
       </p:sp>
       <p:sp>
         <p:nvSpPr>
-          <p:cNvPr id="189" name="Google Shape;189;g2ea3bad0be5_1_64:notes"/>
+          <p:cNvPr id="194" name="Google Shape;194;g2ea3bad0be5_1_64:notes"/>
           <p:cNvSpPr/>
           <p:nvPr>
             <p:ph idx="2" type="sldImg"/>
@@ -1895,7 +1995,7 @@
   <p:cSld>
     <p:spTree>
       <p:nvGrpSpPr>
-        <p:cNvPr id="117" name="Shape 117"/>
+        <p:cNvPr id="116" name="Shape 116"/>
         <p:cNvGrpSpPr/>
         <p:nvPr/>
       </p:nvGrpSpPr>
@@ -1909,7 +2009,7 @@
       </p:grpSpPr>
       <p:sp>
         <p:nvSpPr>
-          <p:cNvPr id="118" name="Google Shape;118;g2ea34466626_0_50:notes"/>
+          <p:cNvPr id="117" name="Google Shape;117;g2ebc3edd4d6_0_2:notes"/>
           <p:cNvSpPr txBox="1"/>
           <p:nvPr>
             <p:ph idx="1" type="body"/>
@@ -1948,7 +2048,7 @@
       </p:sp>
       <p:sp>
         <p:nvSpPr>
-          <p:cNvPr id="119" name="Google Shape;119;g2ea34466626_0_50:notes"/>
+          <p:cNvPr id="118" name="Google Shape;118;g2ebc3edd4d6_0_2:notes"/>
           <p:cNvSpPr/>
           <p:nvPr>
             <p:ph idx="2" type="sldImg"/>
@@ -1994,7 +2094,7 @@
   <p:cSld>
     <p:spTree>
       <p:nvGrpSpPr>
-        <p:cNvPr id="123" name="Shape 123"/>
+        <p:cNvPr id="122" name="Shape 122"/>
         <p:cNvGrpSpPr/>
         <p:nvPr/>
       </p:nvGrpSpPr>
@@ -2008,7 +2108,7 @@
       </p:grpSpPr>
       <p:sp>
         <p:nvSpPr>
-          <p:cNvPr id="124" name="Google Shape;124;g2ea3bad0be5_1_52:notes"/>
+          <p:cNvPr id="123" name="Google Shape;123;g2ea34466626_0_50:notes"/>
           <p:cNvSpPr txBox="1"/>
           <p:nvPr>
             <p:ph idx="1" type="body"/>
@@ -2047,7 +2147,7 @@
       </p:sp>
       <p:sp>
         <p:nvSpPr>
-          <p:cNvPr id="125" name="Google Shape;125;g2ea3bad0be5_1_52:notes"/>
+          <p:cNvPr id="124" name="Google Shape;124;g2ea34466626_0_50:notes"/>
           <p:cNvSpPr/>
           <p:nvPr>
             <p:ph idx="2" type="sldImg"/>
@@ -2056,7 +2156,7 @@
         <p:spPr>
           <a:xfrm>
             <a:off x="1143225" y="685778"/>
-            <a:ext cx="4572225" cy="3428978"/>
+            <a:ext cx="4572300" cy="3429000"/>
           </a:xfrm>
           <a:custGeom>
             <a:rect b="b" l="l" r="r" t="t"/>
@@ -2093,7 +2193,7 @@
   <p:cSld>
     <p:spTree>
       <p:nvGrpSpPr>
-        <p:cNvPr id="130" name="Shape 130"/>
+        <p:cNvPr id="128" name="Shape 128"/>
         <p:cNvGrpSpPr/>
         <p:nvPr/>
       </p:nvGrpSpPr>
@@ -2107,7 +2207,7 @@
       </p:grpSpPr>
       <p:sp>
         <p:nvSpPr>
-          <p:cNvPr id="131" name="Google Shape;131;g2ea3bad0be5_1_44:notes"/>
+          <p:cNvPr id="129" name="Google Shape;129;g2ea3bad0be5_1_52:notes"/>
           <p:cNvSpPr txBox="1"/>
           <p:nvPr>
             <p:ph idx="1" type="body"/>
@@ -2146,7 +2246,7 @@
       </p:sp>
       <p:sp>
         <p:nvSpPr>
-          <p:cNvPr id="132" name="Google Shape;132;g2ea3bad0be5_1_44:notes"/>
+          <p:cNvPr id="130" name="Google Shape;130;g2ea3bad0be5_1_52:notes"/>
           <p:cNvSpPr/>
           <p:nvPr>
             <p:ph idx="2" type="sldImg"/>
@@ -2192,7 +2292,7 @@
   <p:cSld>
     <p:spTree>
       <p:nvGrpSpPr>
-        <p:cNvPr id="136" name="Shape 136"/>
+        <p:cNvPr id="135" name="Shape 135"/>
         <p:cNvGrpSpPr/>
         <p:nvPr/>
       </p:nvGrpSpPr>
@@ -2206,7 +2306,7 @@
       </p:grpSpPr>
       <p:sp>
         <p:nvSpPr>
-          <p:cNvPr id="137" name="Google Shape;137;g2ea34466626_0_72:notes"/>
+          <p:cNvPr id="136" name="Google Shape;136;g2ea3bad0be5_1_44:notes"/>
           <p:cNvSpPr txBox="1"/>
           <p:nvPr>
             <p:ph idx="1" type="body"/>
@@ -2245,7 +2345,7 @@
       </p:sp>
       <p:sp>
         <p:nvSpPr>
-          <p:cNvPr id="138" name="Google Shape;138;g2ea34466626_0_72:notes"/>
+          <p:cNvPr id="137" name="Google Shape;137;g2ea3bad0be5_1_44:notes"/>
           <p:cNvSpPr/>
           <p:nvPr>
             <p:ph idx="2" type="sldImg"/>
@@ -2254,7 +2354,7 @@
         <p:spPr>
           <a:xfrm>
             <a:off x="1143225" y="685778"/>
-            <a:ext cx="4572300" cy="3429000"/>
+            <a:ext cx="4572225" cy="3428978"/>
           </a:xfrm>
           <a:custGeom>
             <a:rect b="b" l="l" r="r" t="t"/>
@@ -11855,7 +11955,7 @@
   <p:cSld>
     <p:spTree>
       <p:nvGrpSpPr>
-        <p:cNvPr id="145" name="Shape 145"/>
+        <p:cNvPr id="144" name="Shape 144"/>
         <p:cNvGrpSpPr/>
         <p:nvPr/>
       </p:nvGrpSpPr>
@@ -11869,7 +11969,205 @@
       </p:grpSpPr>
       <p:sp>
         <p:nvSpPr>
+          <p:cNvPr id="145" name="Google Shape;145;p28"/>
+          <p:cNvSpPr txBox="1"/>
+          <p:nvPr>
+            <p:ph type="title"/>
+          </p:nvPr>
+        </p:nvSpPr>
+        <p:spPr>
+          <a:xfrm>
+            <a:off x="234220" y="314075"/>
+            <a:ext cx="7149600" cy="413700"/>
+          </a:xfrm>
+          <a:prstGeom prst="rect">
+            <a:avLst/>
+          </a:prstGeom>
+          <a:noFill/>
+          <a:ln>
+            <a:noFill/>
+          </a:ln>
+        </p:spPr>
+        <p:txBody>
+          <a:bodyPr anchorCtr="0" anchor="t" bIns="0" lIns="0" spcFirstLastPara="1" rIns="0" wrap="square" tIns="13325">
+            <a:spAutoFit/>
+          </a:bodyPr>
+          <a:lstStyle/>
+          <a:p>
+            <a:pPr indent="0" lvl="0" marL="12700" rtl="0" algn="l">
+              <a:lnSpc>
+                <a:spcPct val="100000"/>
+              </a:lnSpc>
+              <a:spcBef>
+                <a:spcPts val="0"/>
+              </a:spcBef>
+              <a:spcAft>
+                <a:spcPts val="0"/>
+              </a:spcAft>
+              <a:buNone/>
+            </a:pPr>
+            <a:r>
+              <a:rPr lang="en"/>
+              <a:t>Image Restoration Model</a:t>
+            </a:r>
+            <a:endParaRPr/>
+          </a:p>
+        </p:txBody>
+      </p:sp>
+      <p:sp>
+        <p:nvSpPr>
           <p:cNvPr id="146" name="Google Shape;146;p28"/>
+          <p:cNvSpPr txBox="1"/>
+          <p:nvPr/>
+        </p:nvSpPr>
+        <p:spPr>
+          <a:xfrm>
+            <a:off x="75325" y="914650"/>
+            <a:ext cx="8277000" cy="1887000"/>
+          </a:xfrm>
+          <a:prstGeom prst="rect">
+            <a:avLst/>
+          </a:prstGeom>
+          <a:noFill/>
+          <a:ln>
+            <a:noFill/>
+          </a:ln>
+        </p:spPr>
+        <p:txBody>
+          <a:bodyPr anchorCtr="0" anchor="t" bIns="91425" lIns="91425" spcFirstLastPara="1" rIns="91425" wrap="square" tIns="91425">
+            <a:spAutoFit/>
+          </a:bodyPr>
+          <a:lstStyle/>
+          <a:p>
+            <a:pPr indent="0" lvl="0" marL="0" rtl="0" algn="l">
+              <a:lnSpc>
+                <a:spcPct val="115000"/>
+              </a:lnSpc>
+              <a:spcBef>
+                <a:spcPts val="0"/>
+              </a:spcBef>
+              <a:spcAft>
+                <a:spcPts val="0"/>
+              </a:spcAft>
+              <a:buNone/>
+            </a:pPr>
+            <a:r>
+              <a:rPr b="1" lang="en"/>
+              <a:t>Advantages: </a:t>
+            </a:r>
+            <a:endParaRPr b="1"/>
+          </a:p>
+          <a:p>
+            <a:pPr indent="0" lvl="0" marL="0" rtl="0" algn="l">
+              <a:lnSpc>
+                <a:spcPct val="115000"/>
+              </a:lnSpc>
+              <a:spcBef>
+                <a:spcPts val="0"/>
+              </a:spcBef>
+              <a:spcAft>
+                <a:spcPts val="0"/>
+              </a:spcAft>
+              <a:buNone/>
+            </a:pPr>
+            <a:r>
+              <a:rPr lang="en"/>
+              <a:t>● </a:t>
+            </a:r>
+            <a:r>
+              <a:rPr b="1" lang="en"/>
+              <a:t>Parameter Efficiency:</a:t>
+            </a:r>
+            <a:r>
+              <a:rPr lang="en"/>
+              <a:t> Depthwise separable convolutions reduce the number of parameters, making the model lightweight and faster to train and infer. </a:t>
+            </a:r>
+            <a:endParaRPr/>
+          </a:p>
+          <a:p>
+            <a:pPr indent="0" lvl="0" marL="0" rtl="0" algn="l">
+              <a:lnSpc>
+                <a:spcPct val="115000"/>
+              </a:lnSpc>
+              <a:spcBef>
+                <a:spcPts val="0"/>
+              </a:spcBef>
+              <a:spcAft>
+                <a:spcPts val="0"/>
+              </a:spcAft>
+              <a:buNone/>
+            </a:pPr>
+            <a:r>
+              <a:rPr lang="en"/>
+              <a:t>● </a:t>
+            </a:r>
+            <a:r>
+              <a:rPr b="1" lang="en"/>
+              <a:t>High-Quality Restoration:</a:t>
+            </a:r>
+            <a:r>
+              <a:rPr lang="en"/>
+              <a:t> The architecture allows for precise image restoration by combining local and global features. </a:t>
+            </a:r>
+            <a:endParaRPr/>
+          </a:p>
+          <a:p>
+            <a:pPr indent="0" lvl="0" marL="0" rtl="0" algn="l">
+              <a:lnSpc>
+                <a:spcPct val="115000"/>
+              </a:lnSpc>
+              <a:spcBef>
+                <a:spcPts val="0"/>
+              </a:spcBef>
+              <a:spcAft>
+                <a:spcPts val="0"/>
+              </a:spcAft>
+              <a:buNone/>
+            </a:pPr>
+            <a:r>
+              <a:rPr lang="en"/>
+              <a:t>● </a:t>
+            </a:r>
+            <a:r>
+              <a:rPr b="1" lang="en"/>
+              <a:t>Preservation of Spatial Context:</a:t>
+            </a:r>
+            <a:r>
+              <a:rPr lang="en"/>
+              <a:t> Skip connections ensure that the restored image retains details from the original image. </a:t>
+            </a:r>
+            <a:endParaRPr/>
+          </a:p>
+        </p:txBody>
+      </p:sp>
+    </p:spTree>
+  </p:cSld>
+  <p:clrMapOvr>
+    <a:masterClrMapping/>
+  </p:clrMapOvr>
+</p:sld>
+</file>
+
+<file path=ppt/slides/slide11.xml><?xml version="1.0" encoding="utf-8"?>
+<p:sld xmlns:a="http://schemas.openxmlformats.org/drawingml/2006/main" xmlns:r="http://schemas.openxmlformats.org/officeDocument/2006/relationships" xmlns:mc="http://schemas.openxmlformats.org/markup-compatibility/2006" xmlns:mv="urn:schemas-microsoft-com:mac:vml" xmlns:p="http://schemas.openxmlformats.org/presentationml/2006/main" xmlns:c="http://schemas.openxmlformats.org/drawingml/2006/chart" xmlns:dgm="http://schemas.openxmlformats.org/drawingml/2006/diagram" xmlns:o="urn:schemas-microsoft-com:office:office" xmlns:v="urn:schemas-microsoft-com:vml" xmlns:pvml="urn:schemas-microsoft-com:office:powerpoint" xmlns:com="http://schemas.openxmlformats.org/drawingml/2006/compatibility" xmlns:p14="http://schemas.microsoft.com/office/powerpoint/2010/main" xmlns:p15="http://schemas.microsoft.com/office/powerpoint/2012/main" xmlns:ahyp="http://schemas.microsoft.com/office/drawing/2018/hyperlinkcolor">
+  <p:cSld>
+    <p:spTree>
+      <p:nvGrpSpPr>
+        <p:cNvPr id="150" name="Shape 150"/>
+        <p:cNvGrpSpPr/>
+        <p:nvPr/>
+      </p:nvGrpSpPr>
+      <p:grpSpPr>
+        <a:xfrm>
+          <a:off x="0" y="0"/>
+          <a:ext cx="0" cy="0"/>
+          <a:chOff x="0" y="0"/>
+          <a:chExt cx="0" cy="0"/>
+        </a:xfrm>
+      </p:grpSpPr>
+      <p:sp>
+        <p:nvSpPr>
+          <p:cNvPr id="151" name="Google Shape;151;p29"/>
           <p:cNvSpPr txBox="1"/>
           <p:nvPr>
             <p:ph type="title"/>
@@ -11916,7 +12214,7 @@
       </p:sp>
       <p:grpSp>
         <p:nvGrpSpPr>
-          <p:cNvPr id="147" name="Google Shape;147;p28"/>
+          <p:cNvPr id="152" name="Google Shape;152;p29"/>
           <p:cNvGrpSpPr/>
           <p:nvPr/>
         </p:nvGrpSpPr>
@@ -11930,7 +12228,7 @@
         </p:grpSpPr>
         <p:pic>
           <p:nvPicPr>
-            <p:cNvPr id="148" name="Google Shape;148;p28"/>
+            <p:cNvPr id="153" name="Google Shape;153;p29"/>
             <p:cNvPicPr preferRelativeResize="0"/>
             <p:nvPr/>
           </p:nvPicPr>
@@ -11958,7 +12256,7 @@
         </p:pic>
         <p:pic>
           <p:nvPicPr>
-            <p:cNvPr id="149" name="Google Shape;149;p28"/>
+            <p:cNvPr id="154" name="Google Shape;154;p29"/>
             <p:cNvPicPr preferRelativeResize="0"/>
             <p:nvPr/>
           </p:nvPicPr>
@@ -11993,12 +12291,12 @@
 </p:sld>
 </file>
 
-<file path=ppt/slides/slide11.xml><?xml version="1.0" encoding="utf-8"?>
+<file path=ppt/slides/slide12.xml><?xml version="1.0" encoding="utf-8"?>
 <p:sld xmlns:a="http://schemas.openxmlformats.org/drawingml/2006/main" xmlns:r="http://schemas.openxmlformats.org/officeDocument/2006/relationships" xmlns:mc="http://schemas.openxmlformats.org/markup-compatibility/2006" xmlns:mv="urn:schemas-microsoft-com:mac:vml" xmlns:p="http://schemas.openxmlformats.org/presentationml/2006/main" xmlns:c="http://schemas.openxmlformats.org/drawingml/2006/chart" xmlns:dgm="http://schemas.openxmlformats.org/drawingml/2006/diagram" xmlns:o="urn:schemas-microsoft-com:office:office" xmlns:v="urn:schemas-microsoft-com:vml" xmlns:pvml="urn:schemas-microsoft-com:office:powerpoint" xmlns:com="http://schemas.openxmlformats.org/drawingml/2006/compatibility" xmlns:p14="http://schemas.microsoft.com/office/powerpoint/2010/main" xmlns:p15="http://schemas.microsoft.com/office/powerpoint/2012/main" xmlns:ahyp="http://schemas.microsoft.com/office/drawing/2018/hyperlinkcolor">
   <p:cSld>
     <p:spTree>
       <p:nvGrpSpPr>
-        <p:cNvPr id="153" name="Shape 153"/>
+        <p:cNvPr id="158" name="Shape 158"/>
         <p:cNvGrpSpPr/>
         <p:nvPr/>
       </p:nvGrpSpPr>
@@ -12012,7 +12310,7 @@
       </p:grpSpPr>
       <p:sp>
         <p:nvSpPr>
-          <p:cNvPr id="154" name="Google Shape;154;p29"/>
+          <p:cNvPr id="159" name="Google Shape;159;p30"/>
           <p:cNvSpPr txBox="1"/>
           <p:nvPr>
             <p:ph type="title"/>
@@ -12059,7 +12357,7 @@
       </p:sp>
       <p:sp>
         <p:nvSpPr>
-          <p:cNvPr id="155" name="Google Shape;155;p29"/>
+          <p:cNvPr id="160" name="Google Shape;160;p30"/>
           <p:cNvSpPr txBox="1"/>
           <p:nvPr/>
         </p:nvSpPr>
@@ -12111,7 +12409,7 @@
       </p:sp>
       <p:pic>
         <p:nvPicPr>
-          <p:cNvPr id="156" name="Google Shape;156;p29"/>
+          <p:cNvPr id="161" name="Google Shape;161;p30"/>
           <p:cNvPicPr preferRelativeResize="0"/>
           <p:nvPr/>
         </p:nvPicPr>
@@ -12145,12 +12443,12 @@
 </p:sld>
 </file>
 
-<file path=ppt/slides/slide12.xml><?xml version="1.0" encoding="utf-8"?>
+<file path=ppt/slides/slide13.xml><?xml version="1.0" encoding="utf-8"?>
 <p:sld xmlns:a="http://schemas.openxmlformats.org/drawingml/2006/main" xmlns:r="http://schemas.openxmlformats.org/officeDocument/2006/relationships" xmlns:mc="http://schemas.openxmlformats.org/markup-compatibility/2006" xmlns:mv="urn:schemas-microsoft-com:mac:vml" xmlns:p="http://schemas.openxmlformats.org/presentationml/2006/main" xmlns:c="http://schemas.openxmlformats.org/drawingml/2006/chart" xmlns:dgm="http://schemas.openxmlformats.org/drawingml/2006/diagram" xmlns:o="urn:schemas-microsoft-com:office:office" xmlns:v="urn:schemas-microsoft-com:vml" xmlns:pvml="urn:schemas-microsoft-com:office:powerpoint" xmlns:com="http://schemas.openxmlformats.org/drawingml/2006/compatibility" xmlns:p14="http://schemas.microsoft.com/office/powerpoint/2010/main" xmlns:p15="http://schemas.microsoft.com/office/powerpoint/2012/main" xmlns:ahyp="http://schemas.microsoft.com/office/drawing/2018/hyperlinkcolor">
   <p:cSld>
     <p:spTree>
       <p:nvGrpSpPr>
-        <p:cNvPr id="160" name="Shape 160"/>
+        <p:cNvPr id="165" name="Shape 165"/>
         <p:cNvGrpSpPr/>
         <p:nvPr/>
       </p:nvGrpSpPr>
@@ -12164,7 +12462,7 @@
       </p:grpSpPr>
       <p:sp>
         <p:nvSpPr>
-          <p:cNvPr id="161" name="Google Shape;161;p30"/>
+          <p:cNvPr id="166" name="Google Shape;166;p31"/>
           <p:cNvSpPr txBox="1"/>
           <p:nvPr>
             <p:ph type="title"/>
@@ -12211,7 +12509,7 @@
       </p:sp>
       <p:sp>
         <p:nvSpPr>
-          <p:cNvPr id="162" name="Google Shape;162;p30"/>
+          <p:cNvPr id="167" name="Google Shape;167;p31"/>
           <p:cNvSpPr txBox="1"/>
           <p:nvPr/>
         </p:nvSpPr>
@@ -12285,7 +12583,101 @@
             </a:pPr>
             <a:r>
               <a:rPr lang="en"/>
-              <a:t>1. F1 Score: 0.5753424657534246 </a:t>
+              <a:t>1. F1 Score: </a:t>
+            </a:r>
+            <a:r>
+              <a:rPr lang="en">
+                <a:solidFill>
+                  <a:schemeClr val="dk1"/>
+                </a:solidFill>
+                <a:latin typeface="Consolas"/>
+                <a:ea typeface="Consolas"/>
+                <a:cs typeface="Consolas"/>
+                <a:sym typeface="Consolas"/>
+              </a:rPr>
+              <a:t>0.8450704225352113</a:t>
+            </a:r>
+            <a:r>
+              <a:rPr lang="en">
+                <a:solidFill>
+                  <a:schemeClr val="dk1"/>
+                </a:solidFill>
+              </a:rPr>
+              <a:t> </a:t>
+            </a:r>
+            <a:endParaRPr>
+              <a:solidFill>
+                <a:schemeClr val="dk1"/>
+              </a:solidFill>
+            </a:endParaRPr>
+          </a:p>
+          <a:p>
+            <a:pPr indent="0" lvl="0" marL="0" rtl="0" algn="l">
+              <a:lnSpc>
+                <a:spcPct val="115000"/>
+              </a:lnSpc>
+              <a:spcBef>
+                <a:spcPts val="0"/>
+              </a:spcBef>
+              <a:spcAft>
+                <a:spcPts val="0"/>
+              </a:spcAft>
+              <a:buNone/>
+            </a:pPr>
+            <a:r>
+              <a:rPr lang="en"/>
+              <a:t>2. Precision: </a:t>
+            </a:r>
+            <a:r>
+              <a:rPr lang="en">
+                <a:solidFill>
+                  <a:schemeClr val="dk1"/>
+                </a:solidFill>
+                <a:latin typeface="Consolas"/>
+                <a:ea typeface="Consolas"/>
+                <a:cs typeface="Consolas"/>
+                <a:sym typeface="Consolas"/>
+              </a:rPr>
+              <a:t>0.8275862068965517</a:t>
+            </a:r>
+            <a:endParaRPr sz="1700">
+              <a:solidFill>
+                <a:schemeClr val="dk1"/>
+              </a:solidFill>
+            </a:endParaRPr>
+          </a:p>
+          <a:p>
+            <a:pPr indent="0" lvl="0" marL="0" rtl="0" algn="l">
+              <a:lnSpc>
+                <a:spcPct val="115000"/>
+              </a:lnSpc>
+              <a:spcBef>
+                <a:spcPts val="0"/>
+              </a:spcBef>
+              <a:spcAft>
+                <a:spcPts val="0"/>
+              </a:spcAft>
+              <a:buNone/>
+            </a:pPr>
+            <a:r>
+              <a:rPr lang="en"/>
+              <a:t>3. Recall: </a:t>
+            </a:r>
+            <a:r>
+              <a:rPr lang="en">
+                <a:solidFill>
+                  <a:schemeClr val="dk1"/>
+                </a:solidFill>
+                <a:latin typeface="Consolas"/>
+                <a:ea typeface="Consolas"/>
+                <a:cs typeface="Consolas"/>
+                <a:sym typeface="Consolas"/>
+              </a:rPr>
+              <a:t>0.8633093525179856</a:t>
+            </a:r>
+            <a:r>
+              <a:rPr lang="en"/>
+              <a:t> </a:t>
             </a:r>
             <a:endParaRPr/>
           </a:p>
@@ -12304,47 +12696,33 @@
             </a:pPr>
             <a:r>
               <a:rPr lang="en"/>
-              <a:t>2. Precision: 0.5490196078431373</a:t>
-            </a:r>
-            <a:endParaRPr/>
-          </a:p>
-          <a:p>
-            <a:pPr indent="0" lvl="0" marL="0" rtl="0" algn="l">
-              <a:lnSpc>
-                <a:spcPct val="115000"/>
-              </a:lnSpc>
-              <a:spcBef>
-                <a:spcPts val="0"/>
-              </a:spcBef>
-              <a:spcAft>
-                <a:spcPts val="0"/>
-              </a:spcAft>
-              <a:buNone/>
-            </a:pPr>
-            <a:r>
-              <a:rPr lang="en"/>
-              <a:t>3. Recall: 0.60431654676259 </a:t>
-            </a:r>
-            <a:endParaRPr/>
-          </a:p>
-          <a:p>
-            <a:pPr indent="0" lvl="0" marL="0" rtl="0" algn="l">
-              <a:lnSpc>
-                <a:spcPct val="115000"/>
-              </a:lnSpc>
-              <a:spcBef>
-                <a:spcPts val="0"/>
-              </a:spcBef>
-              <a:spcAft>
-                <a:spcPts val="0"/>
-              </a:spcAft>
-              <a:buNone/>
-            </a:pPr>
-            <a:r>
-              <a:rPr lang="en"/>
-              <a:t>4. FPS (Frames Per Second): 266.9189936577595 </a:t>
-            </a:r>
-            <a:endParaRPr/>
+              <a:t>4. FPS (Frames Per Second): </a:t>
+            </a:r>
+            <a:r>
+              <a:rPr lang="en">
+                <a:solidFill>
+                  <a:schemeClr val="dk1"/>
+                </a:solidFill>
+                <a:latin typeface="Consolas"/>
+                <a:ea typeface="Consolas"/>
+                <a:cs typeface="Consolas"/>
+                <a:sym typeface="Consolas"/>
+              </a:rPr>
+              <a:t>30.51735230559698</a:t>
+            </a:r>
+            <a:r>
+              <a:rPr lang="en">
+                <a:solidFill>
+                  <a:schemeClr val="dk1"/>
+                </a:solidFill>
+              </a:rPr>
+              <a:t> </a:t>
+            </a:r>
+            <a:endParaRPr>
+              <a:solidFill>
+                <a:schemeClr val="dk1"/>
+              </a:solidFill>
+            </a:endParaRPr>
           </a:p>
           <a:p>
             <a:pPr indent="0" lvl="0" marL="0" rtl="0" algn="l">
@@ -12447,7 +12825,27 @@
                   <a:schemeClr val="dk1"/>
                 </a:solidFill>
               </a:rPr>
-              <a:t>1. LPIPS: 0.23732596635818481 </a:t>
+              <a:t>1. LPIPS: </a:t>
+            </a:r>
+            <a:r>
+              <a:rPr lang="en">
+                <a:solidFill>
+                  <a:schemeClr val="dk1"/>
+                </a:solidFill>
+                <a:latin typeface="Consolas"/>
+                <a:ea typeface="Consolas"/>
+                <a:cs typeface="Consolas"/>
+                <a:sym typeface="Consolas"/>
+              </a:rPr>
+              <a:t>0.21435943245887756</a:t>
+            </a:r>
+            <a:r>
+              <a:rPr lang="en">
+                <a:solidFill>
+                  <a:schemeClr val="dk1"/>
+                </a:solidFill>
+              </a:rPr>
+              <a:t> </a:t>
             </a:r>
             <a:endParaRPr>
               <a:solidFill>
@@ -12511,9 +12909,21 @@
                   <a:schemeClr val="dk1"/>
                 </a:solidFill>
               </a:rPr>
-              <a:t>3. FPS (Frames Per Second):  35.2379124422083 </a:t>
-            </a:r>
-            <a:endParaRPr>
+              <a:t>3. FPS (Frames Per Second):  </a:t>
+            </a:r>
+            <a:r>
+              <a:rPr lang="en">
+                <a:solidFill>
+                  <a:schemeClr val="dk1"/>
+                </a:solidFill>
+                <a:latin typeface="Consolas"/>
+                <a:ea typeface="Consolas"/>
+                <a:cs typeface="Consolas"/>
+                <a:sym typeface="Consolas"/>
+              </a:rPr>
+              <a:t>32.02684935422494</a:t>
+            </a:r>
+            <a:endParaRPr sz="1700">
               <a:solidFill>
                 <a:schemeClr val="dk1"/>
               </a:solidFill>
@@ -12547,12 +12957,12 @@
 </p:sld>
 </file>
 
-<file path=ppt/slides/slide13.xml><?xml version="1.0" encoding="utf-8"?>
+<file path=ppt/slides/slide14.xml><?xml version="1.0" encoding="utf-8"?>
 <p:sld xmlns:a="http://schemas.openxmlformats.org/drawingml/2006/main" xmlns:r="http://schemas.openxmlformats.org/officeDocument/2006/relationships" xmlns:mc="http://schemas.openxmlformats.org/markup-compatibility/2006" xmlns:mv="urn:schemas-microsoft-com:mac:vml" xmlns:p="http://schemas.openxmlformats.org/presentationml/2006/main" xmlns:c="http://schemas.openxmlformats.org/drawingml/2006/chart" xmlns:dgm="http://schemas.openxmlformats.org/drawingml/2006/diagram" xmlns:o="urn:schemas-microsoft-com:office:office" xmlns:v="urn:schemas-microsoft-com:vml" xmlns:pvml="urn:schemas-microsoft-com:office:powerpoint" xmlns:com="http://schemas.openxmlformats.org/drawingml/2006/compatibility" xmlns:p14="http://schemas.microsoft.com/office/powerpoint/2010/main" xmlns:p15="http://schemas.microsoft.com/office/powerpoint/2012/main" xmlns:ahyp="http://schemas.microsoft.com/office/drawing/2018/hyperlinkcolor">
   <p:cSld>
     <p:spTree>
       <p:nvGrpSpPr>
-        <p:cNvPr id="166" name="Shape 166"/>
+        <p:cNvPr id="171" name="Shape 171"/>
         <p:cNvGrpSpPr/>
         <p:nvPr/>
       </p:nvGrpSpPr>
@@ -12566,7 +12976,7 @@
       </p:grpSpPr>
       <p:sp>
         <p:nvSpPr>
-          <p:cNvPr id="167" name="Google Shape;167;p31"/>
+          <p:cNvPr id="172" name="Google Shape;172;p32"/>
           <p:cNvSpPr txBox="1"/>
           <p:nvPr>
             <p:ph type="title"/>
@@ -12613,7 +13023,7 @@
       </p:sp>
       <p:sp>
         <p:nvSpPr>
-          <p:cNvPr id="168" name="Google Shape;168;p31"/>
+          <p:cNvPr id="173" name="Google Shape;173;p32"/>
           <p:cNvSpPr txBox="1"/>
           <p:nvPr/>
         </p:nvSpPr>
@@ -12707,7 +13117,7 @@
             </a:pPr>
             <a:r>
               <a:rPr lang="en"/>
-              <a:t>● Size: The model is of 21.1 MB</a:t>
+              <a:t>● Size: The model is of 25.0 MB</a:t>
             </a:r>
             <a:endParaRPr/>
           </a:p>
@@ -12892,12 +13302,12 @@
 </p:sld>
 </file>
 
-<file path=ppt/slides/slide14.xml><?xml version="1.0" encoding="utf-8"?>
+<file path=ppt/slides/slide15.xml><?xml version="1.0" encoding="utf-8"?>
 <p:sld xmlns:a="http://schemas.openxmlformats.org/drawingml/2006/main" xmlns:r="http://schemas.openxmlformats.org/officeDocument/2006/relationships" xmlns:mc="http://schemas.openxmlformats.org/markup-compatibility/2006" xmlns:mv="urn:schemas-microsoft-com:mac:vml" xmlns:p="http://schemas.openxmlformats.org/presentationml/2006/main" xmlns:c="http://schemas.openxmlformats.org/drawingml/2006/chart" xmlns:dgm="http://schemas.openxmlformats.org/drawingml/2006/diagram" xmlns:o="urn:schemas-microsoft-com:office:office" xmlns:v="urn:schemas-microsoft-com:vml" xmlns:pvml="urn:schemas-microsoft-com:office:powerpoint" xmlns:com="http://schemas.openxmlformats.org/drawingml/2006/compatibility" xmlns:p14="http://schemas.microsoft.com/office/powerpoint/2010/main" xmlns:p15="http://schemas.microsoft.com/office/powerpoint/2012/main" xmlns:ahyp="http://schemas.microsoft.com/office/drawing/2018/hyperlinkcolor">
   <p:cSld>
     <p:spTree>
       <p:nvGrpSpPr>
-        <p:cNvPr id="172" name="Shape 172"/>
+        <p:cNvPr id="177" name="Shape 177"/>
         <p:cNvGrpSpPr/>
         <p:nvPr/>
       </p:nvGrpSpPr>
@@ -12911,7 +13321,7 @@
       </p:grpSpPr>
       <p:sp>
         <p:nvSpPr>
-          <p:cNvPr id="173" name="Google Shape;173;p32"/>
+          <p:cNvPr id="178" name="Google Shape;178;p33"/>
           <p:cNvSpPr txBox="1"/>
           <p:nvPr>
             <p:ph type="title"/>
@@ -12962,7 +13372,7 @@
       </p:sp>
       <p:pic>
         <p:nvPicPr>
-          <p:cNvPr id="174" name="Google Shape;174;p32"/>
+          <p:cNvPr id="179" name="Google Shape;179;p33"/>
           <p:cNvPicPr preferRelativeResize="0"/>
           <p:nvPr/>
         </p:nvPicPr>
@@ -12996,12 +13406,12 @@
 </p:sld>
 </file>
 
-<file path=ppt/slides/slide15.xml><?xml version="1.0" encoding="utf-8"?>
+<file path=ppt/slides/slide16.xml><?xml version="1.0" encoding="utf-8"?>
 <p:sld xmlns:a="http://schemas.openxmlformats.org/drawingml/2006/main" xmlns:r="http://schemas.openxmlformats.org/officeDocument/2006/relationships" xmlns:mc="http://schemas.openxmlformats.org/markup-compatibility/2006" xmlns:mv="urn:schemas-microsoft-com:mac:vml" xmlns:p="http://schemas.openxmlformats.org/presentationml/2006/main" xmlns:c="http://schemas.openxmlformats.org/drawingml/2006/chart" xmlns:dgm="http://schemas.openxmlformats.org/drawingml/2006/diagram" xmlns:o="urn:schemas-microsoft-com:office:office" xmlns:v="urn:schemas-microsoft-com:vml" xmlns:pvml="urn:schemas-microsoft-com:office:powerpoint" xmlns:com="http://schemas.openxmlformats.org/drawingml/2006/compatibility" xmlns:p14="http://schemas.microsoft.com/office/powerpoint/2010/main" xmlns:p15="http://schemas.microsoft.com/office/powerpoint/2012/main" xmlns:ahyp="http://schemas.microsoft.com/office/drawing/2018/hyperlinkcolor">
   <p:cSld>
     <p:spTree>
       <p:nvGrpSpPr>
-        <p:cNvPr id="178" name="Shape 178"/>
+        <p:cNvPr id="183" name="Shape 183"/>
         <p:cNvGrpSpPr/>
         <p:nvPr/>
       </p:nvGrpSpPr>
@@ -13015,7 +13425,7 @@
       </p:grpSpPr>
       <p:sp>
         <p:nvSpPr>
-          <p:cNvPr id="179" name="Google Shape;179;p33"/>
+          <p:cNvPr id="184" name="Google Shape;184;p34"/>
           <p:cNvSpPr txBox="1"/>
           <p:nvPr>
             <p:ph type="title"/>
@@ -13062,7 +13472,7 @@
       </p:sp>
       <p:sp>
         <p:nvSpPr>
-          <p:cNvPr id="180" name="Google Shape;180;p33"/>
+          <p:cNvPr id="185" name="Google Shape;185;p34"/>
           <p:cNvSpPr txBox="1"/>
           <p:nvPr/>
         </p:nvSpPr>
@@ -13262,7 +13672,7 @@
       </p:sp>
       <p:pic>
         <p:nvPicPr>
-          <p:cNvPr id="181" name="Google Shape;181;p33"/>
+          <p:cNvPr id="186" name="Google Shape;186;p34"/>
           <p:cNvPicPr preferRelativeResize="0"/>
           <p:nvPr/>
         </p:nvPicPr>
@@ -13290,7 +13700,7 @@
       </p:pic>
       <p:pic>
         <p:nvPicPr>
-          <p:cNvPr id="182" name="Google Shape;182;p33"/>
+          <p:cNvPr id="187" name="Google Shape;187;p34"/>
           <p:cNvPicPr preferRelativeResize="0"/>
           <p:nvPr/>
         </p:nvPicPr>
@@ -13318,7 +13728,7 @@
       </p:pic>
       <p:pic>
         <p:nvPicPr>
-          <p:cNvPr id="183" name="Google Shape;183;p33"/>
+          <p:cNvPr id="188" name="Google Shape;188;p34"/>
           <p:cNvPicPr preferRelativeResize="0"/>
           <p:nvPr/>
         </p:nvPicPr>
@@ -13346,7 +13756,7 @@
       </p:pic>
       <p:pic>
         <p:nvPicPr>
-          <p:cNvPr id="184" name="Google Shape;184;p33"/>
+          <p:cNvPr id="189" name="Google Shape;189;p34"/>
           <p:cNvPicPr preferRelativeResize="0"/>
           <p:nvPr/>
         </p:nvPicPr>
@@ -13374,7 +13784,7 @@
       </p:pic>
       <p:pic>
         <p:nvPicPr>
-          <p:cNvPr id="185" name="Google Shape;185;p33"/>
+          <p:cNvPr id="190" name="Google Shape;190;p34"/>
           <p:cNvPicPr preferRelativeResize="0"/>
           <p:nvPr/>
         </p:nvPicPr>
@@ -13402,7 +13812,7 @@
       </p:pic>
       <p:pic>
         <p:nvPicPr>
-          <p:cNvPr id="186" name="Google Shape;186;p33"/>
+          <p:cNvPr id="191" name="Google Shape;191;p34"/>
           <p:cNvPicPr preferRelativeResize="0"/>
           <p:nvPr/>
         </p:nvPicPr>
@@ -13436,12 +13846,12 @@
 </p:sld>
 </file>
 
-<file path=ppt/slides/slide16.xml><?xml version="1.0" encoding="utf-8"?>
+<file path=ppt/slides/slide17.xml><?xml version="1.0" encoding="utf-8"?>
 <p:sld xmlns:a="http://schemas.openxmlformats.org/drawingml/2006/main" xmlns:r="http://schemas.openxmlformats.org/officeDocument/2006/relationships" xmlns:mc="http://schemas.openxmlformats.org/markup-compatibility/2006" xmlns:mv="urn:schemas-microsoft-com:mac:vml" xmlns:p="http://schemas.openxmlformats.org/presentationml/2006/main" xmlns:c="http://schemas.openxmlformats.org/drawingml/2006/chart" xmlns:dgm="http://schemas.openxmlformats.org/drawingml/2006/diagram" xmlns:o="urn:schemas-microsoft-com:office:office" xmlns:v="urn:schemas-microsoft-com:vml" xmlns:pvml="urn:schemas-microsoft-com:office:powerpoint" xmlns:com="http://schemas.openxmlformats.org/drawingml/2006/compatibility" xmlns:p14="http://schemas.microsoft.com/office/powerpoint/2010/main" xmlns:p15="http://schemas.microsoft.com/office/powerpoint/2012/main" xmlns:ahyp="http://schemas.microsoft.com/office/drawing/2018/hyperlinkcolor">
   <p:cSld>
     <p:spTree>
       <p:nvGrpSpPr>
-        <p:cNvPr id="190" name="Shape 190"/>
+        <p:cNvPr id="195" name="Shape 195"/>
         <p:cNvGrpSpPr/>
         <p:nvPr/>
       </p:nvGrpSpPr>
@@ -13455,7 +13865,7 @@
       </p:grpSpPr>
       <p:sp>
         <p:nvSpPr>
-          <p:cNvPr id="191" name="Google Shape;191;p34"/>
+          <p:cNvPr id="196" name="Google Shape;196;p35"/>
           <p:cNvSpPr txBox="1"/>
           <p:nvPr>
             <p:ph type="title"/>
@@ -13502,7 +13912,7 @@
       </p:sp>
       <p:sp>
         <p:nvSpPr>
-          <p:cNvPr id="192" name="Google Shape;192;p34"/>
+          <p:cNvPr id="197" name="Google Shape;197;p35"/>
           <p:cNvSpPr txBox="1"/>
           <p:nvPr/>
         </p:nvSpPr>
@@ -13805,7 +14215,7 @@
         <p:spPr>
           <a:xfrm>
             <a:off x="161075" y="1132900"/>
-            <a:ext cx="6544500" cy="1887000"/>
+            <a:ext cx="6544500" cy="2134800"/>
           </a:xfrm>
           <a:prstGeom prst="rect">
             <a:avLst/>
@@ -13872,7 +14282,19 @@
             </a:pPr>
             <a:r>
               <a:rPr lang="en"/>
-              <a:t>1. Pixelation Detection: A Convolutional Neural Network (CNN) to classify images as pixelated or non-pixelated. </a:t>
+              <a:t>1. Pixelation Detection: </a:t>
+            </a:r>
+            <a:r>
+              <a:rPr lang="en">
+                <a:solidFill>
+                  <a:schemeClr val="dk1"/>
+                </a:solidFill>
+              </a:rPr>
+              <a:t>A Convolutional Neural Network (CNN) which uses MobileNetV2 for transfer learning to classify images as pixelated or non-pixelated</a:t>
+            </a:r>
+            <a:r>
+              <a:rPr lang="en"/>
+              <a:t>. </a:t>
             </a:r>
             <a:endParaRPr/>
           </a:p>
@@ -14289,8 +14711,8 @@
         </p:nvSpPr>
         <p:spPr>
           <a:xfrm>
-            <a:off x="200500" y="940413"/>
-            <a:ext cx="8341500" cy="2382600"/>
+            <a:off x="238150" y="740213"/>
+            <a:ext cx="8341500" cy="4144500"/>
           </a:xfrm>
           <a:prstGeom prst="rect">
             <a:avLst/>
@@ -14311,18 +14733,27 @@
                 <a:spcPct val="115000"/>
               </a:lnSpc>
               <a:spcBef>
-                <a:spcPts val="0"/>
-              </a:spcBef>
-              <a:spcAft>
-                <a:spcPts val="0"/>
-              </a:spcAft>
+                <a:spcPts val="1200"/>
+              </a:spcBef>
+              <a:spcAft>
+                <a:spcPts val="0"/>
+              </a:spcAft>
+              <a:buClr>
+                <a:schemeClr val="dk1"/>
+              </a:buClr>
+              <a:buSzPts val="1100"/>
+              <a:buFont typeface="Arial"/>
               <a:buNone/>
             </a:pPr>
             <a:r>
-              <a:rPr lang="en"/>
-              <a:t>This model is designed to classify images as either pixelated or non-pixelated. The architecture is a simple yet effective CNN. </a:t>
-            </a:r>
-            <a:endParaRPr/>
+              <a:rPr lang="en" sz="1300">
+                <a:solidFill>
+                  <a:schemeClr val="dk1"/>
+                </a:solidFill>
+              </a:rPr>
+              <a:t>This model is designed to classify images as either pixelated or non-pixelated. The architecture leverages the power of transfer learning using MobileNetV2, a lightweight and efficient convolutional neural network.</a:t>
+            </a:r>
+            <a:endParaRPr sz="1600"/>
           </a:p>
           <a:p>
             <a:pPr indent="0" lvl="0" marL="0" rtl="0" algn="l">
@@ -14330,48 +14761,73 @@
                 <a:spcPct val="115000"/>
               </a:lnSpc>
               <a:spcBef>
-                <a:spcPts val="0"/>
-              </a:spcBef>
-              <a:spcAft>
-                <a:spcPts val="0"/>
-              </a:spcAft>
+                <a:spcPts val="1200"/>
+              </a:spcBef>
+              <a:spcAft>
+                <a:spcPts val="0"/>
+              </a:spcAft>
+              <a:buClr>
+                <a:schemeClr val="dk1"/>
+              </a:buClr>
+              <a:buSzPts val="1100"/>
+              <a:buFont typeface="Arial"/>
               <a:buNone/>
             </a:pPr>
             <a:r>
-              <a:rPr b="1" lang="en"/>
-              <a:t>Architecture: </a:t>
-            </a:r>
-            <a:endParaRPr b="1"/>
+              <a:rPr b="1" lang="en" sz="1300">
+                <a:solidFill>
+                  <a:schemeClr val="dk1"/>
+                </a:solidFill>
+              </a:rPr>
+              <a:t>Architecture:</a:t>
+            </a:r>
+            <a:endParaRPr b="1" sz="1300">
+              <a:solidFill>
+                <a:schemeClr val="dk1"/>
+              </a:solidFill>
+            </a:endParaRPr>
           </a:p>
           <a:p>
-            <a:pPr indent="0" lvl="0" marL="0" rtl="0" algn="l">
+            <a:pPr indent="-311150" lvl="0" marL="457200" rtl="0" algn="l">
               <a:lnSpc>
                 <a:spcPct val="115000"/>
               </a:lnSpc>
               <a:spcBef>
-                <a:spcPts val="0"/>
-              </a:spcBef>
-              <a:spcAft>
-                <a:spcPts val="0"/>
-              </a:spcAft>
-              <a:buNone/>
+                <a:spcPts val="1200"/>
+              </a:spcBef>
+              <a:spcAft>
+                <a:spcPts val="0"/>
+              </a:spcAft>
+              <a:buClr>
+                <a:schemeClr val="dk1"/>
+              </a:buClr>
+              <a:buSzPts val="1300"/>
+              <a:buAutoNum type="arabicPeriod"/>
             </a:pPr>
             <a:r>
-              <a:rPr lang="en"/>
-              <a:t>1.</a:t>
-            </a:r>
-            <a:r>
-              <a:rPr b="1" lang="en"/>
-              <a:t> Input Layer: </a:t>
-            </a:r>
-            <a:r>
-              <a:rPr lang="en"/>
-              <a:t>Accepts images of size 128x128 with 3 color channels (RGB). </a:t>
-            </a:r>
-            <a:endParaRPr/>
+              <a:rPr b="1" lang="en" sz="1300">
+                <a:solidFill>
+                  <a:schemeClr val="dk1"/>
+                </a:solidFill>
+              </a:rPr>
+              <a:t>Input Layer</a:t>
+            </a:r>
+            <a:r>
+              <a:rPr lang="en" sz="1300">
+                <a:solidFill>
+                  <a:schemeClr val="dk1"/>
+                </a:solidFill>
+              </a:rPr>
+              <a:t>: Accepts images of size 128x128 with 3 color channels (RGB).</a:t>
+            </a:r>
+            <a:endParaRPr sz="1300">
+              <a:solidFill>
+                <a:schemeClr val="dk1"/>
+              </a:solidFill>
+            </a:endParaRPr>
           </a:p>
           <a:p>
-            <a:pPr indent="0" lvl="0" marL="0" rtl="0" algn="l">
+            <a:pPr indent="-311150" lvl="0" marL="457200" rtl="0" algn="l">
               <a:lnSpc>
                 <a:spcPct val="115000"/>
               </a:lnSpc>
@@ -14381,24 +14837,36 @@
               <a:spcAft>
                 <a:spcPts val="0"/>
               </a:spcAft>
-              <a:buNone/>
+              <a:buClr>
+                <a:schemeClr val="dk1"/>
+              </a:buClr>
+              <a:buSzPts val="1300"/>
+              <a:buAutoNum type="arabicPeriod"/>
             </a:pPr>
             <a:r>
-              <a:rPr lang="en"/>
-              <a:t>2. </a:t>
-            </a:r>
-            <a:r>
-              <a:rPr b="1" lang="en"/>
-              <a:t>Convolutional Layers:</a:t>
-            </a:r>
-            <a:r>
-              <a:rPr lang="en"/>
-              <a:t> Multiple layers with increasing filter sizes to extract features. </a:t>
-            </a:r>
-            <a:endParaRPr/>
+              <a:rPr b="1" lang="en" sz="1300">
+                <a:solidFill>
+                  <a:schemeClr val="dk1"/>
+                </a:solidFill>
+              </a:rPr>
+              <a:t>Base Model</a:t>
+            </a:r>
+            <a:r>
+              <a:rPr lang="en" sz="1300">
+                <a:solidFill>
+                  <a:schemeClr val="dk1"/>
+                </a:solidFill>
+              </a:rPr>
+              <a:t>: </a:t>
+            </a:r>
+            <a:endParaRPr sz="1300">
+              <a:solidFill>
+                <a:schemeClr val="dk1"/>
+              </a:solidFill>
+            </a:endParaRPr>
           </a:p>
           <a:p>
-            <a:pPr indent="0" lvl="0" marL="0" rtl="0" algn="l">
+            <a:pPr indent="-311150" lvl="0" marL="914400" rtl="0" algn="l">
               <a:lnSpc>
                 <a:spcPct val="115000"/>
               </a:lnSpc>
@@ -14408,24 +14876,36 @@
               <a:spcAft>
                 <a:spcPts val="0"/>
               </a:spcAft>
-              <a:buNone/>
+              <a:buClr>
+                <a:schemeClr val="dk1"/>
+              </a:buClr>
+              <a:buSzPts val="1300"/>
+              <a:buChar char="●"/>
             </a:pPr>
             <a:r>
-              <a:rPr lang="en"/>
-              <a:t>3. </a:t>
-            </a:r>
-            <a:r>
-              <a:rPr b="1" lang="en"/>
-              <a:t>Max Pooling Layers:</a:t>
-            </a:r>
-            <a:r>
-              <a:rPr lang="en"/>
-              <a:t> Reduce the spatial dimensions and focus on the most critical features. </a:t>
-            </a:r>
-            <a:endParaRPr/>
+              <a:rPr b="1" lang="en" sz="1300">
+                <a:solidFill>
+                  <a:schemeClr val="dk1"/>
+                </a:solidFill>
+              </a:rPr>
+              <a:t>MobileNetV2</a:t>
+            </a:r>
+            <a:r>
+              <a:rPr lang="en" sz="1300">
+                <a:solidFill>
+                  <a:schemeClr val="dk1"/>
+                </a:solidFill>
+              </a:rPr>
+              <a:t>: Pre-trained on ImageNet, used as a feature extractor. The first 100 layers are frozen to preserve the learned features while the rest are fine-tuned.</a:t>
+            </a:r>
+            <a:endParaRPr sz="1300">
+              <a:solidFill>
+                <a:schemeClr val="dk1"/>
+              </a:solidFill>
+            </a:endParaRPr>
           </a:p>
           <a:p>
-            <a:pPr indent="0" lvl="0" marL="0" rtl="0" algn="l">
+            <a:pPr indent="-311150" lvl="0" marL="914400" rtl="0" algn="l">
               <a:lnSpc>
                 <a:spcPct val="115000"/>
               </a:lnSpc>
@@ -14435,24 +14915,28 @@
               <a:spcAft>
                 <a:spcPts val="0"/>
               </a:spcAft>
-              <a:buNone/>
+              <a:buClr>
+                <a:schemeClr val="dk1"/>
+              </a:buClr>
+              <a:buSzPts val="1300"/>
+              <a:buChar char="●"/>
             </a:pPr>
             <a:r>
-              <a:rPr lang="en"/>
-              <a:t>4. </a:t>
-            </a:r>
-            <a:r>
-              <a:rPr b="1" lang="en"/>
-              <a:t>Fully Connected Layers:</a:t>
-            </a:r>
-            <a:r>
-              <a:rPr lang="en"/>
-              <a:t> Dense layers to combine features and make the final classification. </a:t>
-            </a:r>
-            <a:endParaRPr/>
+              <a:rPr lang="en" sz="1300">
+                <a:solidFill>
+                  <a:schemeClr val="dk1"/>
+                </a:solidFill>
+              </a:rPr>
+              <a:t>This includes convolutional layers and depth wise separable convolutions which are more efficient in terms of computation and parameters.</a:t>
+            </a:r>
+            <a:endParaRPr sz="1300">
+              <a:solidFill>
+                <a:schemeClr val="dk1"/>
+              </a:solidFill>
+            </a:endParaRPr>
           </a:p>
           <a:p>
-            <a:pPr indent="0" lvl="0" marL="0" rtl="0" algn="l">
+            <a:pPr indent="-311150" lvl="0" marL="457200" rtl="0" algn="l">
               <a:lnSpc>
                 <a:spcPct val="115000"/>
               </a:lnSpc>
@@ -14462,24 +14946,36 @@
               <a:spcAft>
                 <a:spcPts val="0"/>
               </a:spcAft>
-              <a:buNone/>
+              <a:buClr>
+                <a:schemeClr val="dk1"/>
+              </a:buClr>
+              <a:buSzPts val="1300"/>
+              <a:buAutoNum type="arabicPeriod"/>
             </a:pPr>
             <a:r>
-              <a:rPr lang="en"/>
-              <a:t>5. </a:t>
-            </a:r>
-            <a:r>
-              <a:rPr b="1" lang="en"/>
-              <a:t>Dropout Layers:</a:t>
-            </a:r>
-            <a:r>
-              <a:rPr lang="en"/>
-              <a:t> Prevent overfitting by randomly dropping some connections during training. </a:t>
-            </a:r>
-            <a:endParaRPr/>
+              <a:rPr b="1" lang="en" sz="1300">
+                <a:solidFill>
+                  <a:schemeClr val="dk1"/>
+                </a:solidFill>
+              </a:rPr>
+              <a:t>Global Average Pooling Layer</a:t>
+            </a:r>
+            <a:r>
+              <a:rPr lang="en" sz="1300">
+                <a:solidFill>
+                  <a:schemeClr val="dk1"/>
+                </a:solidFill>
+              </a:rPr>
+              <a:t>: Reduces each feature map to a single value by averaging, significantly reducing the number of parameters and preventing overfitting.</a:t>
+            </a:r>
+            <a:endParaRPr sz="1300">
+              <a:solidFill>
+                <a:schemeClr val="dk1"/>
+              </a:solidFill>
+            </a:endParaRPr>
           </a:p>
           <a:p>
-            <a:pPr indent="0" lvl="0" marL="0" rtl="0" algn="l">
+            <a:pPr indent="-311150" lvl="0" marL="457200" rtl="0" algn="l">
               <a:lnSpc>
                 <a:spcPct val="115000"/>
               </a:lnSpc>
@@ -14489,50 +14985,36 @@
               <a:spcAft>
                 <a:spcPts val="0"/>
               </a:spcAft>
-              <a:buNone/>
+              <a:buClr>
+                <a:schemeClr val="dk1"/>
+              </a:buClr>
+              <a:buSzPts val="1300"/>
+              <a:buAutoNum type="arabicPeriod"/>
             </a:pPr>
             <a:r>
-              <a:rPr lang="en"/>
-              <a:t>6. </a:t>
-            </a:r>
-            <a:r>
-              <a:rPr b="1" lang="en"/>
-              <a:t>Output Layer: </a:t>
-            </a:r>
-            <a:r>
-              <a:rPr lang="en"/>
-              <a:t>A single neuron with a sigmoid activation function for binary classification.</a:t>
-            </a:r>
-            <a:endParaRPr/>
+              <a:rPr b="1" lang="en" sz="1300">
+                <a:solidFill>
+                  <a:schemeClr val="dk1"/>
+                </a:solidFill>
+              </a:rPr>
+              <a:t>Fully Connected Layers</a:t>
+            </a:r>
+            <a:r>
+              <a:rPr lang="en" sz="1300">
+                <a:solidFill>
+                  <a:schemeClr val="dk1"/>
+                </a:solidFill>
+              </a:rPr>
+              <a:t>: </a:t>
+            </a:r>
+            <a:endParaRPr sz="1300">
+              <a:solidFill>
+                <a:schemeClr val="dk1"/>
+              </a:solidFill>
+            </a:endParaRPr>
           </a:p>
-        </p:txBody>
-      </p:sp>
-      <p:sp>
-        <p:nvSpPr>
-          <p:cNvPr id="116" name="Google Shape;116;p23"/>
-          <p:cNvSpPr txBox="1"/>
-          <p:nvPr/>
-        </p:nvSpPr>
-        <p:spPr>
-          <a:xfrm>
-            <a:off x="238150" y="3294600"/>
-            <a:ext cx="8266200" cy="1391400"/>
-          </a:xfrm>
-          <a:prstGeom prst="rect">
-            <a:avLst/>
-          </a:prstGeom>
-          <a:noFill/>
-          <a:ln>
-            <a:noFill/>
-          </a:ln>
-        </p:spPr>
-        <p:txBody>
-          <a:bodyPr anchorCtr="0" anchor="t" bIns="91425" lIns="91425" spcFirstLastPara="1" rIns="91425" wrap="square" tIns="91425">
-            <a:spAutoFit/>
-          </a:bodyPr>
-          <a:lstStyle/>
           <a:p>
-            <a:pPr indent="0" lvl="0" marL="0" rtl="0" algn="l">
+            <a:pPr indent="-311150" lvl="0" marL="914400" rtl="0" algn="l">
               <a:lnSpc>
                 <a:spcPct val="115000"/>
               </a:lnSpc>
@@ -14542,20 +15024,36 @@
               <a:spcAft>
                 <a:spcPts val="0"/>
               </a:spcAft>
-              <a:buNone/>
+              <a:buClr>
+                <a:schemeClr val="dk1"/>
+              </a:buClr>
+              <a:buSzPts val="1300"/>
+              <a:buChar char="●"/>
             </a:pPr>
             <a:r>
-              <a:rPr b="1" lang="en"/>
-              <a:t>Advantages:</a:t>
-            </a:r>
-            <a:r>
-              <a:rPr lang="en"/>
-              <a:t> </a:t>
-            </a:r>
-            <a:endParaRPr/>
+              <a:rPr b="1" lang="en" sz="1300">
+                <a:solidFill>
+                  <a:schemeClr val="dk1"/>
+                </a:solidFill>
+              </a:rPr>
+              <a:t>Dense Layer (128 units)</a:t>
+            </a:r>
+            <a:r>
+              <a:rPr lang="en" sz="1300">
+                <a:solidFill>
+                  <a:schemeClr val="dk1"/>
+                </a:solidFill>
+              </a:rPr>
+              <a:t>: Uses ReLU activation to combine features.</a:t>
+            </a:r>
+            <a:endParaRPr sz="1300">
+              <a:solidFill>
+                <a:schemeClr val="dk1"/>
+              </a:solidFill>
+            </a:endParaRPr>
           </a:p>
           <a:p>
-            <a:pPr indent="0" lvl="0" marL="0" rtl="0" algn="l">
+            <a:pPr indent="-311150" lvl="0" marL="914400" rtl="0" algn="l">
               <a:lnSpc>
                 <a:spcPct val="115000"/>
               </a:lnSpc>
@@ -14565,24 +15063,36 @@
               <a:spcAft>
                 <a:spcPts val="0"/>
               </a:spcAft>
-              <a:buNone/>
+              <a:buClr>
+                <a:schemeClr val="dk1"/>
+              </a:buClr>
+              <a:buSzPts val="1300"/>
+              <a:buChar char="●"/>
             </a:pPr>
             <a:r>
-              <a:rPr lang="en"/>
-              <a:t>● </a:t>
-            </a:r>
-            <a:r>
-              <a:rPr b="1" lang="en"/>
-              <a:t>Simplicity and Efficiency: </a:t>
-            </a:r>
-            <a:r>
-              <a:rPr lang="en"/>
-              <a:t>The model is straightforward and computationally efficient, making it suitable for real-time applications. </a:t>
-            </a:r>
-            <a:endParaRPr/>
+              <a:rPr b="1" lang="en" sz="1300">
+                <a:solidFill>
+                  <a:schemeClr val="dk1"/>
+                </a:solidFill>
+              </a:rPr>
+              <a:t>Batch Normalization</a:t>
+            </a:r>
+            <a:r>
+              <a:rPr lang="en" sz="1300">
+                <a:solidFill>
+                  <a:schemeClr val="dk1"/>
+                </a:solidFill>
+              </a:rPr>
+              <a:t>: Improves training stability and performance.</a:t>
+            </a:r>
+            <a:endParaRPr sz="1300">
+              <a:solidFill>
+                <a:schemeClr val="dk1"/>
+              </a:solidFill>
+            </a:endParaRPr>
           </a:p>
           <a:p>
-            <a:pPr indent="0" lvl="0" marL="0" rtl="0" algn="l">
+            <a:pPr indent="-311150" lvl="0" marL="914400" rtl="0" algn="l">
               <a:lnSpc>
                 <a:spcPct val="115000"/>
               </a:lnSpc>
@@ -14592,21 +15102,68 @@
               <a:spcAft>
                 <a:spcPts val="0"/>
               </a:spcAft>
-              <a:buNone/>
+              <a:buClr>
+                <a:schemeClr val="dk1"/>
+              </a:buClr>
+              <a:buSzPts val="1300"/>
+              <a:buChar char="●"/>
             </a:pPr>
             <a:r>
-              <a:rPr lang="en"/>
-              <a:t>● </a:t>
-            </a:r>
-            <a:r>
-              <a:rPr b="1" lang="en"/>
-              <a:t>Effective Feature Extraction:</a:t>
-            </a:r>
-            <a:r>
-              <a:rPr lang="en"/>
-              <a:t> Convolutional layers capture spatial hierarchies in the images, crucial for distinguishing between pixelated and non-pixelated regions. </a:t>
-            </a:r>
-            <a:endParaRPr/>
+              <a:rPr b="1" lang="en" sz="1300">
+                <a:solidFill>
+                  <a:schemeClr val="dk1"/>
+                </a:solidFill>
+              </a:rPr>
+              <a:t>Dropout (0.5)</a:t>
+            </a:r>
+            <a:r>
+              <a:rPr lang="en" sz="1300">
+                <a:solidFill>
+                  <a:schemeClr val="dk1"/>
+                </a:solidFill>
+              </a:rPr>
+              <a:t>: Prevents overfitting by randomly dropping 50% of the connections during training.</a:t>
+            </a:r>
+            <a:endParaRPr sz="1300">
+              <a:solidFill>
+                <a:schemeClr val="dk1"/>
+              </a:solidFill>
+            </a:endParaRPr>
+          </a:p>
+          <a:p>
+            <a:pPr indent="-311150" lvl="0" marL="457200" rtl="0" algn="l">
+              <a:lnSpc>
+                <a:spcPct val="115000"/>
+              </a:lnSpc>
+              <a:spcBef>
+                <a:spcPts val="0"/>
+              </a:spcBef>
+              <a:spcAft>
+                <a:spcPts val="0"/>
+              </a:spcAft>
+              <a:buClr>
+                <a:schemeClr val="dk1"/>
+              </a:buClr>
+              <a:buSzPts val="1300"/>
+              <a:buAutoNum type="arabicPeriod"/>
+            </a:pPr>
+            <a:r>
+              <a:rPr b="1" lang="en" sz="1300">
+                <a:solidFill>
+                  <a:schemeClr val="dk1"/>
+                </a:solidFill>
+              </a:rPr>
+              <a:t>Output Layer</a:t>
+            </a:r>
+            <a:r>
+              <a:rPr lang="en" sz="1300">
+                <a:solidFill>
+                  <a:schemeClr val="dk1"/>
+                </a:solidFill>
+              </a:rPr>
+              <a:t>: A single neuron with a sigmoid activation function for binary classification.</a:t>
+            </a:r>
+            <a:endParaRPr b="1" sz="1600"/>
           </a:p>
         </p:txBody>
       </p:sp>
@@ -14623,7 +15180,7 @@
   <p:cSld>
     <p:spTree>
       <p:nvGrpSpPr>
-        <p:cNvPr id="120" name="Shape 120"/>
+        <p:cNvPr id="119" name="Shape 119"/>
         <p:cNvGrpSpPr/>
         <p:nvPr/>
       </p:nvGrpSpPr>
@@ -14637,7 +15194,7 @@
       </p:grpSpPr>
       <p:sp>
         <p:nvSpPr>
-          <p:cNvPr id="121" name="Google Shape;121;p24"/>
+          <p:cNvPr id="120" name="Google Shape;120;p24"/>
           <p:cNvSpPr txBox="1"/>
           <p:nvPr>
             <p:ph type="title"/>
@@ -14682,9 +15239,313 @@
           </a:p>
         </p:txBody>
       </p:sp>
+      <p:sp>
+        <p:nvSpPr>
+          <p:cNvPr id="121" name="Google Shape;121;p24"/>
+          <p:cNvSpPr txBox="1"/>
+          <p:nvPr/>
+        </p:nvSpPr>
+        <p:spPr>
+          <a:xfrm>
+            <a:off x="238150" y="1034900"/>
+            <a:ext cx="8266200" cy="3434100"/>
+          </a:xfrm>
+          <a:prstGeom prst="rect">
+            <a:avLst/>
+          </a:prstGeom>
+          <a:noFill/>
+          <a:ln>
+            <a:noFill/>
+          </a:ln>
+        </p:spPr>
+        <p:txBody>
+          <a:bodyPr anchorCtr="0" anchor="t" bIns="91425" lIns="91425" spcFirstLastPara="1" rIns="91425" wrap="square" tIns="91425">
+            <a:spAutoFit/>
+          </a:bodyPr>
+          <a:lstStyle/>
+          <a:p>
+            <a:pPr indent="0" lvl="0" marL="0" rtl="0" algn="l">
+              <a:lnSpc>
+                <a:spcPct val="115000"/>
+              </a:lnSpc>
+              <a:spcBef>
+                <a:spcPts val="0"/>
+              </a:spcBef>
+              <a:spcAft>
+                <a:spcPts val="0"/>
+              </a:spcAft>
+              <a:buNone/>
+            </a:pPr>
+            <a:r>
+              <a:rPr b="1" lang="en"/>
+              <a:t>Advantages:</a:t>
+            </a:r>
+            <a:r>
+              <a:rPr lang="en"/>
+              <a:t> </a:t>
+            </a:r>
+            <a:endParaRPr/>
+          </a:p>
+          <a:p>
+            <a:pPr indent="0" lvl="0" marL="0" rtl="0" algn="l">
+              <a:lnSpc>
+                <a:spcPct val="115000"/>
+              </a:lnSpc>
+              <a:spcBef>
+                <a:spcPts val="0"/>
+              </a:spcBef>
+              <a:spcAft>
+                <a:spcPts val="0"/>
+              </a:spcAft>
+              <a:buNone/>
+            </a:pPr>
+            <a:r>
+              <a:rPr lang="en"/>
+              <a:t>● </a:t>
+            </a:r>
+            <a:r>
+              <a:rPr b="1" lang="en"/>
+              <a:t>Simplicity and Efficiency: </a:t>
+            </a:r>
+            <a:r>
+              <a:rPr lang="en">
+                <a:solidFill>
+                  <a:schemeClr val="dk1"/>
+                </a:solidFill>
+              </a:rPr>
+              <a:t>The model uses MobileNetV2, known for its lightweight architecture, making it suitable for real-time applications and deployment on devices with limited computational resources.</a:t>
+            </a:r>
+            <a:endParaRPr sz="1700"/>
+          </a:p>
+          <a:p>
+            <a:pPr indent="0" lvl="0" marL="0" rtl="0" algn="l">
+              <a:lnSpc>
+                <a:spcPct val="115000"/>
+              </a:lnSpc>
+              <a:spcBef>
+                <a:spcPts val="0"/>
+              </a:spcBef>
+              <a:spcAft>
+                <a:spcPts val="0"/>
+              </a:spcAft>
+              <a:buNone/>
+            </a:pPr>
+            <a:r>
+              <a:rPr lang="en"/>
+              <a:t>● </a:t>
+            </a:r>
+            <a:r>
+              <a:rPr b="1" lang="en"/>
+              <a:t>Effective Feature Extraction:</a:t>
+            </a:r>
+            <a:r>
+              <a:rPr lang="en"/>
+              <a:t> </a:t>
+            </a:r>
+            <a:r>
+              <a:rPr lang="en">
+                <a:solidFill>
+                  <a:schemeClr val="dk1"/>
+                </a:solidFill>
+              </a:rPr>
+              <a:t>Transfer learning with MobileNetV2 allows the model to leverage pre-trained features that capture spatial hierarchies in images, crucial for distinguishing between pixelated and non-pixelated regions.</a:t>
+            </a:r>
+            <a:r>
+              <a:rPr lang="en"/>
+              <a:t> </a:t>
+            </a:r>
+            <a:endParaRPr/>
+          </a:p>
+          <a:p>
+            <a:pPr indent="0" lvl="0" marL="0" rtl="0" algn="l">
+              <a:lnSpc>
+                <a:spcPct val="115000"/>
+              </a:lnSpc>
+              <a:spcBef>
+                <a:spcPts val="1200"/>
+              </a:spcBef>
+              <a:spcAft>
+                <a:spcPts val="0"/>
+              </a:spcAft>
+              <a:buNone/>
+            </a:pPr>
+            <a:r>
+              <a:rPr lang="en">
+                <a:solidFill>
+                  <a:schemeClr val="dk1"/>
+                </a:solidFill>
+              </a:rPr>
+              <a:t>● </a:t>
+            </a:r>
+            <a:r>
+              <a:rPr b="1" lang="en">
+                <a:solidFill>
+                  <a:schemeClr val="dk1"/>
+                </a:solidFill>
+              </a:rPr>
+              <a:t>Regularization Techniques</a:t>
+            </a:r>
+            <a:r>
+              <a:rPr lang="en">
+                <a:solidFill>
+                  <a:schemeClr val="dk1"/>
+                </a:solidFill>
+              </a:rPr>
+              <a:t>: Batch normalization and dropout layers help prevent overfitting, ensuring the model generalizes well to new, unseen data.</a:t>
+            </a:r>
+            <a:endParaRPr>
+              <a:solidFill>
+                <a:schemeClr val="dk1"/>
+              </a:solidFill>
+            </a:endParaRPr>
+          </a:p>
+          <a:p>
+            <a:pPr indent="0" lvl="0" marL="0" rtl="0" algn="l">
+              <a:lnSpc>
+                <a:spcPct val="115000"/>
+              </a:lnSpc>
+              <a:spcBef>
+                <a:spcPts val="1200"/>
+              </a:spcBef>
+              <a:spcAft>
+                <a:spcPts val="0"/>
+              </a:spcAft>
+              <a:buNone/>
+            </a:pPr>
+            <a:r>
+              <a:rPr lang="en">
+                <a:solidFill>
+                  <a:schemeClr val="dk1"/>
+                </a:solidFill>
+              </a:rPr>
+              <a:t>● </a:t>
+            </a:r>
+            <a:r>
+              <a:rPr b="1" lang="en">
+                <a:solidFill>
+                  <a:schemeClr val="dk1"/>
+                </a:solidFill>
+              </a:rPr>
+              <a:t>Flexibility</a:t>
+            </a:r>
+            <a:r>
+              <a:rPr lang="en">
+                <a:solidFill>
+                  <a:schemeClr val="dk1"/>
+                </a:solidFill>
+              </a:rPr>
+              <a:t>: The model architecture can be easily adjusted or extended for different image classification tasks, providing a versatile solution.</a:t>
+            </a:r>
+            <a:endParaRPr>
+              <a:solidFill>
+                <a:schemeClr val="dk1"/>
+              </a:solidFill>
+            </a:endParaRPr>
+          </a:p>
+          <a:p>
+            <a:pPr indent="0" lvl="0" marL="0" rtl="0" algn="l">
+              <a:lnSpc>
+                <a:spcPct val="115000"/>
+              </a:lnSpc>
+              <a:spcBef>
+                <a:spcPts val="0"/>
+              </a:spcBef>
+              <a:spcAft>
+                <a:spcPts val="0"/>
+              </a:spcAft>
+              <a:buClr>
+                <a:schemeClr val="dk1"/>
+              </a:buClr>
+              <a:buSzPts val="1100"/>
+              <a:buFont typeface="Arial"/>
+              <a:buNone/>
+            </a:pPr>
+            <a:r>
+              <a:t/>
+            </a:r>
+            <a:endParaRPr>
+              <a:solidFill>
+                <a:schemeClr val="dk1"/>
+              </a:solidFill>
+            </a:endParaRPr>
+          </a:p>
+        </p:txBody>
+      </p:sp>
+    </p:spTree>
+  </p:cSld>
+  <p:clrMapOvr>
+    <a:masterClrMapping/>
+  </p:clrMapOvr>
+</p:sld>
+</file>
+
+<file path=ppt/slides/slide7.xml><?xml version="1.0" encoding="utf-8"?>
+<p:sld xmlns:a="http://schemas.openxmlformats.org/drawingml/2006/main" xmlns:r="http://schemas.openxmlformats.org/officeDocument/2006/relationships" xmlns:mc="http://schemas.openxmlformats.org/markup-compatibility/2006" xmlns:mv="urn:schemas-microsoft-com:mac:vml" xmlns:p="http://schemas.openxmlformats.org/presentationml/2006/main" xmlns:c="http://schemas.openxmlformats.org/drawingml/2006/chart" xmlns:dgm="http://schemas.openxmlformats.org/drawingml/2006/diagram" xmlns:o="urn:schemas-microsoft-com:office:office" xmlns:v="urn:schemas-microsoft-com:vml" xmlns:pvml="urn:schemas-microsoft-com:office:powerpoint" xmlns:com="http://schemas.openxmlformats.org/drawingml/2006/compatibility" xmlns:p14="http://schemas.microsoft.com/office/powerpoint/2010/main" xmlns:p15="http://schemas.microsoft.com/office/powerpoint/2012/main" xmlns:ahyp="http://schemas.microsoft.com/office/drawing/2018/hyperlinkcolor">
+  <p:cSld>
+    <p:spTree>
+      <p:nvGrpSpPr>
+        <p:cNvPr id="125" name="Shape 125"/>
+        <p:cNvGrpSpPr/>
+        <p:nvPr/>
+      </p:nvGrpSpPr>
+      <p:grpSpPr>
+        <a:xfrm>
+          <a:off x="0" y="0"/>
+          <a:ext cx="0" cy="0"/>
+          <a:chOff x="0" y="0"/>
+          <a:chExt cx="0" cy="0"/>
+        </a:xfrm>
+      </p:grpSpPr>
+      <p:sp>
+        <p:nvSpPr>
+          <p:cNvPr id="126" name="Google Shape;126;p25"/>
+          <p:cNvSpPr txBox="1"/>
+          <p:nvPr>
+            <p:ph type="title"/>
+          </p:nvPr>
+        </p:nvSpPr>
+        <p:spPr>
+          <a:xfrm>
+            <a:off x="238150" y="326516"/>
+            <a:ext cx="4378200" cy="413700"/>
+          </a:xfrm>
+          <a:prstGeom prst="rect">
+            <a:avLst/>
+          </a:prstGeom>
+          <a:noFill/>
+          <a:ln>
+            <a:noFill/>
+          </a:ln>
+        </p:spPr>
+        <p:txBody>
+          <a:bodyPr anchorCtr="0" anchor="t" bIns="0" lIns="0" spcFirstLastPara="1" rIns="0" wrap="square" tIns="13325">
+            <a:spAutoFit/>
+          </a:bodyPr>
+          <a:lstStyle/>
+          <a:p>
+            <a:pPr indent="0" lvl="0" marL="12700" rtl="0" algn="l">
+              <a:lnSpc>
+                <a:spcPct val="100000"/>
+              </a:lnSpc>
+              <a:spcBef>
+                <a:spcPts val="0"/>
+              </a:spcBef>
+              <a:spcAft>
+                <a:spcPts val="0"/>
+              </a:spcAft>
+              <a:buNone/>
+            </a:pPr>
+            <a:r>
+              <a:rPr lang="en"/>
+              <a:t>Pixelation Detection Model </a:t>
+            </a:r>
+            <a:endParaRPr/>
+          </a:p>
+        </p:txBody>
+      </p:sp>
       <p:pic>
         <p:nvPicPr>
-          <p:cNvPr id="122" name="Google Shape;122;p24"/>
+          <p:cNvPr id="127" name="Google Shape;127;p25"/>
           <p:cNvPicPr preferRelativeResize="0"/>
           <p:nvPr/>
         </p:nvPicPr>
@@ -14698,8 +15559,8 @@
         </p:blipFill>
         <p:spPr>
           <a:xfrm>
-            <a:off x="173900" y="1054041"/>
-            <a:ext cx="7353300" cy="2381250"/>
+            <a:off x="238150" y="890591"/>
+            <a:ext cx="7334250" cy="3362325"/>
           </a:xfrm>
           <a:prstGeom prst="rect">
             <a:avLst/>
@@ -14718,12 +15579,12 @@
 </p:sld>
 </file>
 
-<file path=ppt/slides/slide7.xml><?xml version="1.0" encoding="utf-8"?>
+<file path=ppt/slides/slide8.xml><?xml version="1.0" encoding="utf-8"?>
 <p:sld xmlns:a="http://schemas.openxmlformats.org/drawingml/2006/main" xmlns:r="http://schemas.openxmlformats.org/officeDocument/2006/relationships" xmlns:mc="http://schemas.openxmlformats.org/markup-compatibility/2006" xmlns:mv="urn:schemas-microsoft-com:mac:vml" xmlns:p="http://schemas.openxmlformats.org/presentationml/2006/main" xmlns:c="http://schemas.openxmlformats.org/drawingml/2006/chart" xmlns:dgm="http://schemas.openxmlformats.org/drawingml/2006/diagram" xmlns:o="urn:schemas-microsoft-com:office:office" xmlns:v="urn:schemas-microsoft-com:vml" xmlns:pvml="urn:schemas-microsoft-com:office:powerpoint" xmlns:com="http://schemas.openxmlformats.org/drawingml/2006/compatibility" xmlns:p14="http://schemas.microsoft.com/office/powerpoint/2010/main" xmlns:p15="http://schemas.microsoft.com/office/powerpoint/2012/main" xmlns:ahyp="http://schemas.microsoft.com/office/drawing/2018/hyperlinkcolor">
   <p:cSld>
     <p:spTree>
       <p:nvGrpSpPr>
-        <p:cNvPr id="126" name="Shape 126"/>
+        <p:cNvPr id="131" name="Shape 131"/>
         <p:cNvGrpSpPr/>
         <p:nvPr/>
       </p:nvGrpSpPr>
@@ -14737,7 +15598,7 @@
       </p:grpSpPr>
       <p:sp>
         <p:nvSpPr>
-          <p:cNvPr id="127" name="Google Shape;127;p25"/>
+          <p:cNvPr id="132" name="Google Shape;132;p26"/>
           <p:cNvSpPr txBox="1"/>
           <p:nvPr>
             <p:ph type="title"/>
@@ -14782,37 +15643,9 @@
           </a:p>
         </p:txBody>
       </p:sp>
-      <p:pic>
-        <p:nvPicPr>
-          <p:cNvPr id="128" name="Google Shape;128;p25"/>
-          <p:cNvPicPr preferRelativeResize="0"/>
-          <p:nvPr/>
-        </p:nvPicPr>
-        <p:blipFill>
-          <a:blip r:embed="rId3">
-            <a:alphaModFix/>
-          </a:blip>
-          <a:stretch>
-            <a:fillRect/>
-          </a:stretch>
-        </p:blipFill>
-        <p:spPr>
-          <a:xfrm>
-            <a:off x="152400" y="1109175"/>
-            <a:ext cx="8839199" cy="2047950"/>
-          </a:xfrm>
-          <a:prstGeom prst="rect">
-            <a:avLst/>
-          </a:prstGeom>
-          <a:noFill/>
-          <a:ln>
-            <a:noFill/>
-          </a:ln>
-        </p:spPr>
-      </p:pic>
       <p:sp>
         <p:nvSpPr>
-          <p:cNvPr id="129" name="Google Shape;129;p25"/>
+          <p:cNvPr id="133" name="Google Shape;133;p26"/>
           <p:cNvSpPr txBox="1"/>
           <p:nvPr/>
         </p:nvSpPr>
@@ -14862,6 +15695,34 @@
           </a:p>
         </p:txBody>
       </p:sp>
+      <p:pic>
+        <p:nvPicPr>
+          <p:cNvPr id="134" name="Google Shape;134;p26"/>
+          <p:cNvPicPr preferRelativeResize="0"/>
+          <p:nvPr/>
+        </p:nvPicPr>
+        <p:blipFill>
+          <a:blip r:embed="rId3">
+            <a:alphaModFix/>
+          </a:blip>
+          <a:stretch>
+            <a:fillRect/>
+          </a:stretch>
+        </p:blipFill>
+        <p:spPr>
+          <a:xfrm>
+            <a:off x="152400" y="893952"/>
+            <a:ext cx="8839201" cy="2011035"/>
+          </a:xfrm>
+          <a:prstGeom prst="rect">
+            <a:avLst/>
+          </a:prstGeom>
+          <a:noFill/>
+          <a:ln>
+            <a:noFill/>
+          </a:ln>
+        </p:spPr>
+      </p:pic>
     </p:spTree>
   </p:cSld>
   <p:clrMapOvr>
@@ -14870,12 +15731,12 @@
 </p:sld>
 </file>
 
-<file path=ppt/slides/slide8.xml><?xml version="1.0" encoding="utf-8"?>
+<file path=ppt/slides/slide9.xml><?xml version="1.0" encoding="utf-8"?>
 <p:sld xmlns:a="http://schemas.openxmlformats.org/drawingml/2006/main" xmlns:r="http://schemas.openxmlformats.org/officeDocument/2006/relationships" xmlns:mc="http://schemas.openxmlformats.org/markup-compatibility/2006" xmlns:mv="urn:schemas-microsoft-com:mac:vml" xmlns:p="http://schemas.openxmlformats.org/presentationml/2006/main" xmlns:c="http://schemas.openxmlformats.org/drawingml/2006/chart" xmlns:dgm="http://schemas.openxmlformats.org/drawingml/2006/diagram" xmlns:o="urn:schemas-microsoft-com:office:office" xmlns:v="urn:schemas-microsoft-com:vml" xmlns:pvml="urn:schemas-microsoft-com:office:powerpoint" xmlns:com="http://schemas.openxmlformats.org/drawingml/2006/compatibility" xmlns:p14="http://schemas.microsoft.com/office/powerpoint/2010/main" xmlns:p15="http://schemas.microsoft.com/office/powerpoint/2012/main" xmlns:ahyp="http://schemas.microsoft.com/office/drawing/2018/hyperlinkcolor">
   <p:cSld>
     <p:spTree>
       <p:nvGrpSpPr>
-        <p:cNvPr id="133" name="Shape 133"/>
+        <p:cNvPr id="138" name="Shape 138"/>
         <p:cNvGrpSpPr/>
         <p:nvPr/>
       </p:nvGrpSpPr>
@@ -14889,7 +15750,7 @@
       </p:grpSpPr>
       <p:sp>
         <p:nvSpPr>
-          <p:cNvPr id="134" name="Google Shape;134;p26"/>
+          <p:cNvPr id="139" name="Google Shape;139;p27"/>
           <p:cNvSpPr txBox="1"/>
           <p:nvPr>
             <p:ph type="title"/>
@@ -14936,7 +15797,7 @@
       </p:sp>
       <p:sp>
         <p:nvSpPr>
-          <p:cNvPr id="135" name="Google Shape;135;p26"/>
+          <p:cNvPr id="140" name="Google Shape;140;p27"/>
           <p:cNvSpPr txBox="1"/>
           <p:nvPr/>
         </p:nvSpPr>
@@ -15228,484 +16089,7 @@
 </p:sld>
 </file>
 
-<file path=ppt/slides/slide9.xml><?xml version="1.0" encoding="utf-8"?>
-<p:sld xmlns:a="http://schemas.openxmlformats.org/drawingml/2006/main" xmlns:r="http://schemas.openxmlformats.org/officeDocument/2006/relationships" xmlns:mc="http://schemas.openxmlformats.org/markup-compatibility/2006" xmlns:mv="urn:schemas-microsoft-com:mac:vml" xmlns:p="http://schemas.openxmlformats.org/presentationml/2006/main" xmlns:c="http://schemas.openxmlformats.org/drawingml/2006/chart" xmlns:dgm="http://schemas.openxmlformats.org/drawingml/2006/diagram" xmlns:o="urn:schemas-microsoft-com:office:office" xmlns:v="urn:schemas-microsoft-com:vml" xmlns:pvml="urn:schemas-microsoft-com:office:powerpoint" xmlns:com="http://schemas.openxmlformats.org/drawingml/2006/compatibility" xmlns:p14="http://schemas.microsoft.com/office/powerpoint/2010/main" xmlns:p15="http://schemas.microsoft.com/office/powerpoint/2012/main" xmlns:ahyp="http://schemas.microsoft.com/office/drawing/2018/hyperlinkcolor">
-  <p:cSld>
-    <p:spTree>
-      <p:nvGrpSpPr>
-        <p:cNvPr id="139" name="Shape 139"/>
-        <p:cNvGrpSpPr/>
-        <p:nvPr/>
-      </p:nvGrpSpPr>
-      <p:grpSpPr>
-        <a:xfrm>
-          <a:off x="0" y="0"/>
-          <a:ext cx="0" cy="0"/>
-          <a:chOff x="0" y="0"/>
-          <a:chExt cx="0" cy="0"/>
-        </a:xfrm>
-      </p:grpSpPr>
-      <p:sp>
-        <p:nvSpPr>
-          <p:cNvPr id="140" name="Google Shape;140;p27"/>
-          <p:cNvSpPr txBox="1"/>
-          <p:nvPr>
-            <p:ph type="title"/>
-          </p:nvPr>
-        </p:nvSpPr>
-        <p:spPr>
-          <a:xfrm>
-            <a:off x="234220" y="314075"/>
-            <a:ext cx="7149600" cy="413700"/>
-          </a:xfrm>
-          <a:prstGeom prst="rect">
-            <a:avLst/>
-          </a:prstGeom>
-          <a:noFill/>
-          <a:ln>
-            <a:noFill/>
-          </a:ln>
-        </p:spPr>
-        <p:txBody>
-          <a:bodyPr anchorCtr="0" anchor="t" bIns="0" lIns="0" spcFirstLastPara="1" rIns="0" wrap="square" tIns="13325">
-            <a:spAutoFit/>
-          </a:bodyPr>
-          <a:lstStyle/>
-          <a:p>
-            <a:pPr indent="0" lvl="0" marL="12700" rtl="0" algn="l">
-              <a:lnSpc>
-                <a:spcPct val="100000"/>
-              </a:lnSpc>
-              <a:spcBef>
-                <a:spcPts val="0"/>
-              </a:spcBef>
-              <a:spcAft>
-                <a:spcPts val="0"/>
-              </a:spcAft>
-              <a:buNone/>
-            </a:pPr>
-            <a:r>
-              <a:rPr lang="en"/>
-              <a:t>Image Restoration Model</a:t>
-            </a:r>
-            <a:endParaRPr/>
-          </a:p>
-        </p:txBody>
-      </p:sp>
-      <p:sp>
-        <p:nvSpPr>
-          <p:cNvPr id="141" name="Google Shape;141;p27"/>
-          <p:cNvSpPr txBox="1"/>
-          <p:nvPr/>
-        </p:nvSpPr>
-        <p:spPr>
-          <a:xfrm>
-            <a:off x="75325" y="914650"/>
-            <a:ext cx="8277000" cy="1887000"/>
-          </a:xfrm>
-          <a:prstGeom prst="rect">
-            <a:avLst/>
-          </a:prstGeom>
-          <a:noFill/>
-          <a:ln>
-            <a:noFill/>
-          </a:ln>
-        </p:spPr>
-        <p:txBody>
-          <a:bodyPr anchorCtr="0" anchor="t" bIns="91425" lIns="91425" spcFirstLastPara="1" rIns="91425" wrap="square" tIns="91425">
-            <a:spAutoFit/>
-          </a:bodyPr>
-          <a:lstStyle/>
-          <a:p>
-            <a:pPr indent="0" lvl="0" marL="0" rtl="0" algn="l">
-              <a:lnSpc>
-                <a:spcPct val="115000"/>
-              </a:lnSpc>
-              <a:spcBef>
-                <a:spcPts val="0"/>
-              </a:spcBef>
-              <a:spcAft>
-                <a:spcPts val="0"/>
-              </a:spcAft>
-              <a:buNone/>
-            </a:pPr>
-            <a:r>
-              <a:rPr b="1" lang="en"/>
-              <a:t>Advantages: </a:t>
-            </a:r>
-            <a:endParaRPr b="1"/>
-          </a:p>
-          <a:p>
-            <a:pPr indent="0" lvl="0" marL="0" rtl="0" algn="l">
-              <a:lnSpc>
-                <a:spcPct val="115000"/>
-              </a:lnSpc>
-              <a:spcBef>
-                <a:spcPts val="0"/>
-              </a:spcBef>
-              <a:spcAft>
-                <a:spcPts val="0"/>
-              </a:spcAft>
-              <a:buNone/>
-            </a:pPr>
-            <a:r>
-              <a:rPr lang="en"/>
-              <a:t>● </a:t>
-            </a:r>
-            <a:r>
-              <a:rPr b="1" lang="en"/>
-              <a:t>Parameter Efficiency:</a:t>
-            </a:r>
-            <a:r>
-              <a:rPr lang="en"/>
-              <a:t> Depthwise separable convolutions reduce the number of parameters, making the model lightweight and faster to train and infer. </a:t>
-            </a:r>
-            <a:endParaRPr/>
-          </a:p>
-          <a:p>
-            <a:pPr indent="0" lvl="0" marL="0" rtl="0" algn="l">
-              <a:lnSpc>
-                <a:spcPct val="115000"/>
-              </a:lnSpc>
-              <a:spcBef>
-                <a:spcPts val="0"/>
-              </a:spcBef>
-              <a:spcAft>
-                <a:spcPts val="0"/>
-              </a:spcAft>
-              <a:buNone/>
-            </a:pPr>
-            <a:r>
-              <a:rPr lang="en"/>
-              <a:t>● </a:t>
-            </a:r>
-            <a:r>
-              <a:rPr b="1" lang="en"/>
-              <a:t>High-Quality Restoration:</a:t>
-            </a:r>
-            <a:r>
-              <a:rPr lang="en"/>
-              <a:t> The architecture allows for precise image restoration by combining local and global features. </a:t>
-            </a:r>
-            <a:endParaRPr/>
-          </a:p>
-          <a:p>
-            <a:pPr indent="0" lvl="0" marL="0" rtl="0" algn="l">
-              <a:lnSpc>
-                <a:spcPct val="115000"/>
-              </a:lnSpc>
-              <a:spcBef>
-                <a:spcPts val="0"/>
-              </a:spcBef>
-              <a:spcAft>
-                <a:spcPts val="0"/>
-              </a:spcAft>
-              <a:buNone/>
-            </a:pPr>
-            <a:r>
-              <a:rPr lang="en"/>
-              <a:t>● </a:t>
-            </a:r>
-            <a:r>
-              <a:rPr b="1" lang="en"/>
-              <a:t>Preservation of Spatial Context:</a:t>
-            </a:r>
-            <a:r>
-              <a:rPr lang="en"/>
-              <a:t> Skip connections ensure that the restored image retains details from the original image. </a:t>
-            </a:r>
-            <a:endParaRPr/>
-          </a:p>
-        </p:txBody>
-      </p:sp>
-    </p:spTree>
-  </p:cSld>
-  <p:clrMapOvr>
-    <a:masterClrMapping/>
-  </p:clrMapOvr>
-</p:sld>
-</file>
-
 <file path=ppt/theme/theme1.xml><?xml version="1.0" encoding="utf-8"?>
-<a:theme xmlns:a="http://schemas.openxmlformats.org/drawingml/2006/main" xmlns:r="http://schemas.openxmlformats.org/officeDocument/2006/relationships" name="Simple Light">
-  <a:themeElements>
-    <a:clrScheme name="Simple Light">
-      <a:dk1>
-        <a:srgbClr val="000000"/>
-      </a:dk1>
-      <a:lt1>
-        <a:srgbClr val="FFFFFF"/>
-      </a:lt1>
-      <a:dk2>
-        <a:srgbClr val="595959"/>
-      </a:dk2>
-      <a:lt2>
-        <a:srgbClr val="EEEEEE"/>
-      </a:lt2>
-      <a:accent1>
-        <a:srgbClr val="4285F4"/>
-      </a:accent1>
-      <a:accent2>
-        <a:srgbClr val="212121"/>
-      </a:accent2>
-      <a:accent3>
-        <a:srgbClr val="78909C"/>
-      </a:accent3>
-      <a:accent4>
-        <a:srgbClr val="FFAB40"/>
-      </a:accent4>
-      <a:accent5>
-        <a:srgbClr val="0097A7"/>
-      </a:accent5>
-      <a:accent6>
-        <a:srgbClr val="EEFF41"/>
-      </a:accent6>
-      <a:hlink>
-        <a:srgbClr val="0097A7"/>
-      </a:hlink>
-      <a:folHlink>
-        <a:srgbClr val="0097A7"/>
-      </a:folHlink>
-    </a:clrScheme>
-    <a:fontScheme name="Office">
-      <a:majorFont>
-        <a:latin typeface="Arial"/>
-        <a:ea typeface=""/>
-        <a:cs typeface=""/>
-        <a:font script="Jpan" typeface="ＭＳ Ｐゴシック"/>
-        <a:font script="Hang" typeface="맑은 고딕"/>
-        <a:font script="Hans" typeface="宋体"/>
-        <a:font script="Hant" typeface="新細明體"/>
-        <a:font script="Arab" typeface="Times New Roman"/>
-        <a:font script="Hebr" typeface="Times New Roman"/>
-        <a:font script="Thai" typeface="Angsana New"/>
-        <a:font script="Ethi" typeface="Nyala"/>
-        <a:font script="Beng" typeface="Vrinda"/>
-        <a:font script="Gujr" typeface="Shruti"/>
-        <a:font script="Khmr" typeface="MoolBoran"/>
-        <a:font script="Knda" typeface="Tunga"/>
-        <a:font script="Guru" typeface="Raavi"/>
-        <a:font script="Cans" typeface="Euphemia"/>
-        <a:font script="Cher" typeface="Plantagenet Cherokee"/>
-        <a:font script="Yiii" typeface="Microsoft Yi Baiti"/>
-        <a:font script="Tibt" typeface="Microsoft Himalaya"/>
-        <a:font script="Thaa" typeface="MV Boli"/>
-        <a:font script="Deva" typeface="Mangal"/>
-        <a:font script="Telu" typeface="Gautami"/>
-        <a:font script="Taml" typeface="Latha"/>
-        <a:font script="Syrc" typeface="Estrangelo Edessa"/>
-        <a:font script="Orya" typeface="Kalinga"/>
-        <a:font script="Mlym" typeface="Kartika"/>
-        <a:font script="Laoo" typeface="DokChampa"/>
-        <a:font script="Sinh" typeface="Iskoola Pota"/>
-        <a:font script="Mong" typeface="Mongolian Baiti"/>
-        <a:font script="Viet" typeface="Times New Roman"/>
-        <a:font script="Uigh" typeface="Microsoft Uighur"/>
-        <a:font script="Geor" typeface="Sylfaen"/>
-      </a:majorFont>
-      <a:minorFont>
-        <a:latin typeface="Arial"/>
-        <a:ea typeface=""/>
-        <a:cs typeface=""/>
-        <a:font script="Jpan" typeface="ＭＳ Ｐゴシック"/>
-        <a:font script="Hang" typeface="맑은 고딕"/>
-        <a:font script="Hans" typeface="宋体"/>
-        <a:font script="Hant" typeface="新細明體"/>
-        <a:font script="Arab" typeface="Arial"/>
-        <a:font script="Hebr" typeface="Arial"/>
-        <a:font script="Thai" typeface="Cordia New"/>
-        <a:font script="Ethi" typeface="Nyala"/>
-        <a:font script="Beng" typeface="Vrinda"/>
-        <a:font script="Gujr" typeface="Shruti"/>
-        <a:font script="Khmr" typeface="DaunPenh"/>
-        <a:font script="Knda" typeface="Tunga"/>
-        <a:font script="Guru" typeface="Raavi"/>
-        <a:font script="Cans" typeface="Euphemia"/>
-        <a:font script="Cher" typeface="Plantagenet Cherokee"/>
-        <a:font script="Yiii" typeface="Microsoft Yi Baiti"/>
-        <a:font script="Tibt" typeface="Microsoft Himalaya"/>
-        <a:font script="Thaa" typeface="MV Boli"/>
-        <a:font script="Deva" typeface="Mangal"/>
-        <a:font script="Telu" typeface="Gautami"/>
-        <a:font script="Taml" typeface="Latha"/>
-        <a:font script="Syrc" typeface="Estrangelo Edessa"/>
-        <a:font script="Orya" typeface="Kalinga"/>
-        <a:font script="Mlym" typeface="Kartika"/>
-        <a:font script="Laoo" typeface="DokChampa"/>
-        <a:font script="Sinh" typeface="Iskoola Pota"/>
-        <a:font script="Mong" typeface="Mongolian Baiti"/>
-        <a:font script="Viet" typeface="Arial"/>
-        <a:font script="Uigh" typeface="Microsoft Uighur"/>
-        <a:font script="Geor" typeface="Sylfaen"/>
-      </a:minorFont>
-    </a:fontScheme>
-    <a:fmtScheme name="Office">
-      <a:fillStyleLst>
-        <a:solidFill>
-          <a:schemeClr val="phClr"/>
-        </a:solidFill>
-        <a:gradFill rotWithShape="1">
-          <a:gsLst>
-            <a:gs pos="0">
-              <a:schemeClr val="phClr">
-                <a:tint val="50000"/>
-                <a:satMod val="300000"/>
-              </a:schemeClr>
-            </a:gs>
-            <a:gs pos="35000">
-              <a:schemeClr val="phClr">
-                <a:tint val="37000"/>
-                <a:satMod val="300000"/>
-              </a:schemeClr>
-            </a:gs>
-            <a:gs pos="100000">
-              <a:schemeClr val="phClr">
-                <a:tint val="15000"/>
-                <a:satMod val="350000"/>
-              </a:schemeClr>
-            </a:gs>
-          </a:gsLst>
-          <a:lin ang="16200000" scaled="1"/>
-        </a:gradFill>
-        <a:gradFill rotWithShape="1">
-          <a:gsLst>
-            <a:gs pos="0">
-              <a:schemeClr val="phClr">
-                <a:tint val="100000"/>
-                <a:shade val="100000"/>
-                <a:satMod val="130000"/>
-              </a:schemeClr>
-            </a:gs>
-            <a:gs pos="100000">
-              <a:schemeClr val="phClr">
-                <a:tint val="50000"/>
-                <a:shade val="100000"/>
-                <a:satMod val="350000"/>
-              </a:schemeClr>
-            </a:gs>
-          </a:gsLst>
-          <a:lin ang="16200000" scaled="0"/>
-        </a:gradFill>
-      </a:fillStyleLst>
-      <a:lnStyleLst>
-        <a:ln w="9525" cap="flat" cmpd="sng" algn="ctr">
-          <a:solidFill>
-            <a:schemeClr val="phClr">
-              <a:shade val="95000"/>
-              <a:satMod val="105000"/>
-            </a:schemeClr>
-          </a:solidFill>
-          <a:prstDash val="solid"/>
-        </a:ln>
-        <a:ln w="25400" cap="flat" cmpd="sng" algn="ctr">
-          <a:solidFill>
-            <a:schemeClr val="phClr"/>
-          </a:solidFill>
-          <a:prstDash val="solid"/>
-        </a:ln>
-        <a:ln w="38100" cap="flat" cmpd="sng" algn="ctr">
-          <a:solidFill>
-            <a:schemeClr val="phClr"/>
-          </a:solidFill>
-          <a:prstDash val="solid"/>
-        </a:ln>
-      </a:lnStyleLst>
-      <a:effectStyleLst>
-        <a:effectStyle>
-          <a:effectLst>
-            <a:outerShdw blurRad="40000" dist="20000" dir="5400000" rotWithShape="0">
-              <a:srgbClr val="000000">
-                <a:alpha val="38000"/>
-              </a:srgbClr>
-            </a:outerShdw>
-          </a:effectLst>
-        </a:effectStyle>
-        <a:effectStyle>
-          <a:effectLst>
-            <a:outerShdw blurRad="40000" dist="23000" dir="5400000" rotWithShape="0">
-              <a:srgbClr val="000000">
-                <a:alpha val="35000"/>
-              </a:srgbClr>
-            </a:outerShdw>
-          </a:effectLst>
-        </a:effectStyle>
-        <a:effectStyle>
-          <a:effectLst>
-            <a:outerShdw blurRad="40000" dist="23000" dir="5400000" rotWithShape="0">
-              <a:srgbClr val="000000">
-                <a:alpha val="35000"/>
-              </a:srgbClr>
-            </a:outerShdw>
-          </a:effectLst>
-          <a:scene3d>
-            <a:camera prst="orthographicFront">
-              <a:rot lat="0" lon="0" rev="0"/>
-            </a:camera>
-            <a:lightRig rig="threePt" dir="t">
-              <a:rot lat="0" lon="0" rev="1200000"/>
-            </a:lightRig>
-          </a:scene3d>
-          <a:sp3d>
-            <a:bevelT w="63500" h="25400"/>
-          </a:sp3d>
-        </a:effectStyle>
-      </a:effectStyleLst>
-      <a:bgFillStyleLst>
-        <a:solidFill>
-          <a:schemeClr val="phClr"/>
-        </a:solidFill>
-        <a:gradFill rotWithShape="1">
-          <a:gsLst>
-            <a:gs pos="0">
-              <a:schemeClr val="phClr">
-                <a:tint val="40000"/>
-                <a:satMod val="350000"/>
-              </a:schemeClr>
-            </a:gs>
-            <a:gs pos="40000">
-              <a:schemeClr val="phClr">
-                <a:tint val="45000"/>
-                <a:shade val="99000"/>
-                <a:satMod val="350000"/>
-              </a:schemeClr>
-            </a:gs>
-            <a:gs pos="100000">
-              <a:schemeClr val="phClr">
-                <a:shade val="20000"/>
-                <a:satMod val="255000"/>
-              </a:schemeClr>
-            </a:gs>
-          </a:gsLst>
-          <a:path path="circle">
-            <a:fillToRect l="50000" t="-80000" r="50000" b="180000"/>
-          </a:path>
-        </a:gradFill>
-        <a:gradFill rotWithShape="1">
-          <a:gsLst>
-            <a:gs pos="0">
-              <a:schemeClr val="phClr">
-                <a:tint val="80000"/>
-                <a:satMod val="300000"/>
-              </a:schemeClr>
-            </a:gs>
-            <a:gs pos="100000">
-              <a:schemeClr val="phClr">
-                <a:shade val="30000"/>
-                <a:satMod val="200000"/>
-              </a:schemeClr>
-            </a:gs>
-          </a:gsLst>
-          <a:path path="circle">
-            <a:fillToRect l="50000" t="50000" r="50000" b="50000"/>
-          </a:path>
-        </a:gradFill>
-      </a:bgFillStyleLst>
-    </a:fmtScheme>
-  </a:themeElements>
-</a:theme>
-</file>
-
-<file path=ppt/theme/theme2.xml><?xml version="1.0" encoding="utf-8"?>
 <a:theme xmlns:a="http://schemas.openxmlformats.org/drawingml/2006/main" xmlns:r="http://schemas.openxmlformats.org/officeDocument/2006/relationships">
   <a:themeElements>
     <a:clrScheme name="Default">
@@ -15984,7 +16368,7 @@
 </a:theme>
 </file>
 
-<file path=ppt/theme/theme3.xml><?xml version="1.0" encoding="utf-8"?>
+<file path=ppt/theme/theme2.xml><?xml version="1.0" encoding="utf-8"?>
 <a:theme xmlns:a="http://schemas.openxmlformats.org/drawingml/2006/main" xmlns:r="http://schemas.openxmlformats.org/officeDocument/2006/relationships" name="Office Theme">
   <a:themeElements>
     <a:clrScheme name="Office">
@@ -16261,4 +16645,283 @@
     </a:fmtScheme>
   </a:themeElements>
 </a:theme>
+</file>
+
+<file path=ppt/theme/theme3.xml><?xml version="1.0" encoding="utf-8"?>
+<a:theme xmlns:a="http://schemas.openxmlformats.org/drawingml/2006/main" xmlns:r="http://schemas.openxmlformats.org/officeDocument/2006/relationships" name="Simple Light">
+  <a:themeElements>
+    <a:clrScheme name="Simple Light">
+      <a:dk1>
+        <a:srgbClr val="000000"/>
+      </a:dk1>
+      <a:lt1>
+        <a:srgbClr val="FFFFFF"/>
+      </a:lt1>
+      <a:dk2>
+        <a:srgbClr val="595959"/>
+      </a:dk2>
+      <a:lt2>
+        <a:srgbClr val="EEEEEE"/>
+      </a:lt2>
+      <a:accent1>
+        <a:srgbClr val="4285F4"/>
+      </a:accent1>
+      <a:accent2>
+        <a:srgbClr val="212121"/>
+      </a:accent2>
+      <a:accent3>
+        <a:srgbClr val="78909C"/>
+      </a:accent3>
+      <a:accent4>
+        <a:srgbClr val="FFAB40"/>
+      </a:accent4>
+      <a:accent5>
+        <a:srgbClr val="0097A7"/>
+      </a:accent5>
+      <a:accent6>
+        <a:srgbClr val="EEFF41"/>
+      </a:accent6>
+      <a:hlink>
+        <a:srgbClr val="0097A7"/>
+      </a:hlink>
+      <a:folHlink>
+        <a:srgbClr val="0097A7"/>
+      </a:folHlink>
+    </a:clrScheme>
+    <a:fontScheme name="Office">
+      <a:majorFont>
+        <a:latin typeface="Arial"/>
+        <a:ea typeface=""/>
+        <a:cs typeface=""/>
+        <a:font script="Jpan" typeface="ＭＳ Ｐゴシック"/>
+        <a:font script="Hang" typeface="맑은 고딕"/>
+        <a:font script="Hans" typeface="宋体"/>
+        <a:font script="Hant" typeface="新細明體"/>
+        <a:font script="Arab" typeface="Times New Roman"/>
+        <a:font script="Hebr" typeface="Times New Roman"/>
+        <a:font script="Thai" typeface="Angsana New"/>
+        <a:font script="Ethi" typeface="Nyala"/>
+        <a:font script="Beng" typeface="Vrinda"/>
+        <a:font script="Gujr" typeface="Shruti"/>
+        <a:font script="Khmr" typeface="MoolBoran"/>
+        <a:font script="Knda" typeface="Tunga"/>
+        <a:font script="Guru" typeface="Raavi"/>
+        <a:font script="Cans" typeface="Euphemia"/>
+        <a:font script="Cher" typeface="Plantagenet Cherokee"/>
+        <a:font script="Yiii" typeface="Microsoft Yi Baiti"/>
+        <a:font script="Tibt" typeface="Microsoft Himalaya"/>
+        <a:font script="Thaa" typeface="MV Boli"/>
+        <a:font script="Deva" typeface="Mangal"/>
+        <a:font script="Telu" typeface="Gautami"/>
+        <a:font script="Taml" typeface="Latha"/>
+        <a:font script="Syrc" typeface="Estrangelo Edessa"/>
+        <a:font script="Orya" typeface="Kalinga"/>
+        <a:font script="Mlym" typeface="Kartika"/>
+        <a:font script="Laoo" typeface="DokChampa"/>
+        <a:font script="Sinh" typeface="Iskoola Pota"/>
+        <a:font script="Mong" typeface="Mongolian Baiti"/>
+        <a:font script="Viet" typeface="Times New Roman"/>
+        <a:font script="Uigh" typeface="Microsoft Uighur"/>
+        <a:font script="Geor" typeface="Sylfaen"/>
+      </a:majorFont>
+      <a:minorFont>
+        <a:latin typeface="Arial"/>
+        <a:ea typeface=""/>
+        <a:cs typeface=""/>
+        <a:font script="Jpan" typeface="ＭＳ Ｐゴシック"/>
+        <a:font script="Hang" typeface="맑은 고딕"/>
+        <a:font script="Hans" typeface="宋体"/>
+        <a:font script="Hant" typeface="新細明體"/>
+        <a:font script="Arab" typeface="Arial"/>
+        <a:font script="Hebr" typeface="Arial"/>
+        <a:font script="Thai" typeface="Cordia New"/>
+        <a:font script="Ethi" typeface="Nyala"/>
+        <a:font script="Beng" typeface="Vrinda"/>
+        <a:font script="Gujr" typeface="Shruti"/>
+        <a:font script="Khmr" typeface="DaunPenh"/>
+        <a:font script="Knda" typeface="Tunga"/>
+        <a:font script="Guru" typeface="Raavi"/>
+        <a:font script="Cans" typeface="Euphemia"/>
+        <a:font script="Cher" typeface="Plantagenet Cherokee"/>
+        <a:font script="Yiii" typeface="Microsoft Yi Baiti"/>
+        <a:font script="Tibt" typeface="Microsoft Himalaya"/>
+        <a:font script="Thaa" typeface="MV Boli"/>
+        <a:font script="Deva" typeface="Mangal"/>
+        <a:font script="Telu" typeface="Gautami"/>
+        <a:font script="Taml" typeface="Latha"/>
+        <a:font script="Syrc" typeface="Estrangelo Edessa"/>
+        <a:font script="Orya" typeface="Kalinga"/>
+        <a:font script="Mlym" typeface="Kartika"/>
+        <a:font script="Laoo" typeface="DokChampa"/>
+        <a:font script="Sinh" typeface="Iskoola Pota"/>
+        <a:font script="Mong" typeface="Mongolian Baiti"/>
+        <a:font script="Viet" typeface="Arial"/>
+        <a:font script="Uigh" typeface="Microsoft Uighur"/>
+        <a:font script="Geor" typeface="Sylfaen"/>
+      </a:minorFont>
+    </a:fontScheme>
+    <a:fmtScheme name="Office">
+      <a:fillStyleLst>
+        <a:solidFill>
+          <a:schemeClr val="phClr"/>
+        </a:solidFill>
+        <a:gradFill rotWithShape="1">
+          <a:gsLst>
+            <a:gs pos="0">
+              <a:schemeClr val="phClr">
+                <a:tint val="50000"/>
+                <a:satMod val="300000"/>
+              </a:schemeClr>
+            </a:gs>
+            <a:gs pos="35000">
+              <a:schemeClr val="phClr">
+                <a:tint val="37000"/>
+                <a:satMod val="300000"/>
+              </a:schemeClr>
+            </a:gs>
+            <a:gs pos="100000">
+              <a:schemeClr val="phClr">
+                <a:tint val="15000"/>
+                <a:satMod val="350000"/>
+              </a:schemeClr>
+            </a:gs>
+          </a:gsLst>
+          <a:lin ang="16200000" scaled="1"/>
+        </a:gradFill>
+        <a:gradFill rotWithShape="1">
+          <a:gsLst>
+            <a:gs pos="0">
+              <a:schemeClr val="phClr">
+                <a:tint val="100000"/>
+                <a:shade val="100000"/>
+                <a:satMod val="130000"/>
+              </a:schemeClr>
+            </a:gs>
+            <a:gs pos="100000">
+              <a:schemeClr val="phClr">
+                <a:tint val="50000"/>
+                <a:shade val="100000"/>
+                <a:satMod val="350000"/>
+              </a:schemeClr>
+            </a:gs>
+          </a:gsLst>
+          <a:lin ang="16200000" scaled="0"/>
+        </a:gradFill>
+      </a:fillStyleLst>
+      <a:lnStyleLst>
+        <a:ln w="9525" cap="flat" cmpd="sng" algn="ctr">
+          <a:solidFill>
+            <a:schemeClr val="phClr">
+              <a:shade val="95000"/>
+              <a:satMod val="105000"/>
+            </a:schemeClr>
+          </a:solidFill>
+          <a:prstDash val="solid"/>
+        </a:ln>
+        <a:ln w="25400" cap="flat" cmpd="sng" algn="ctr">
+          <a:solidFill>
+            <a:schemeClr val="phClr"/>
+          </a:solidFill>
+          <a:prstDash val="solid"/>
+        </a:ln>
+        <a:ln w="38100" cap="flat" cmpd="sng" algn="ctr">
+          <a:solidFill>
+            <a:schemeClr val="phClr"/>
+          </a:solidFill>
+          <a:prstDash val="solid"/>
+        </a:ln>
+      </a:lnStyleLst>
+      <a:effectStyleLst>
+        <a:effectStyle>
+          <a:effectLst>
+            <a:outerShdw blurRad="40000" dist="20000" dir="5400000" rotWithShape="0">
+              <a:srgbClr val="000000">
+                <a:alpha val="38000"/>
+              </a:srgbClr>
+            </a:outerShdw>
+          </a:effectLst>
+        </a:effectStyle>
+        <a:effectStyle>
+          <a:effectLst>
+            <a:outerShdw blurRad="40000" dist="23000" dir="5400000" rotWithShape="0">
+              <a:srgbClr val="000000">
+                <a:alpha val="35000"/>
+              </a:srgbClr>
+            </a:outerShdw>
+          </a:effectLst>
+        </a:effectStyle>
+        <a:effectStyle>
+          <a:effectLst>
+            <a:outerShdw blurRad="40000" dist="23000" dir="5400000" rotWithShape="0">
+              <a:srgbClr val="000000">
+                <a:alpha val="35000"/>
+              </a:srgbClr>
+            </a:outerShdw>
+          </a:effectLst>
+          <a:scene3d>
+            <a:camera prst="orthographicFront">
+              <a:rot lat="0" lon="0" rev="0"/>
+            </a:camera>
+            <a:lightRig rig="threePt" dir="t">
+              <a:rot lat="0" lon="0" rev="1200000"/>
+            </a:lightRig>
+          </a:scene3d>
+          <a:sp3d>
+            <a:bevelT w="63500" h="25400"/>
+          </a:sp3d>
+        </a:effectStyle>
+      </a:effectStyleLst>
+      <a:bgFillStyleLst>
+        <a:solidFill>
+          <a:schemeClr val="phClr"/>
+        </a:solidFill>
+        <a:gradFill rotWithShape="1">
+          <a:gsLst>
+            <a:gs pos="0">
+              <a:schemeClr val="phClr">
+                <a:tint val="40000"/>
+                <a:satMod val="350000"/>
+              </a:schemeClr>
+            </a:gs>
+            <a:gs pos="40000">
+              <a:schemeClr val="phClr">
+                <a:tint val="45000"/>
+                <a:shade val="99000"/>
+                <a:satMod val="350000"/>
+              </a:schemeClr>
+            </a:gs>
+            <a:gs pos="100000">
+              <a:schemeClr val="phClr">
+                <a:shade val="20000"/>
+                <a:satMod val="255000"/>
+              </a:schemeClr>
+            </a:gs>
+          </a:gsLst>
+          <a:path path="circle">
+            <a:fillToRect l="50000" t="-80000" r="50000" b="180000"/>
+          </a:path>
+        </a:gradFill>
+        <a:gradFill rotWithShape="1">
+          <a:gsLst>
+            <a:gs pos="0">
+              <a:schemeClr val="phClr">
+                <a:tint val="80000"/>
+                <a:satMod val="300000"/>
+              </a:schemeClr>
+            </a:gs>
+            <a:gs pos="100000">
+              <a:schemeClr val="phClr">
+                <a:shade val="30000"/>
+                <a:satMod val="200000"/>
+              </a:schemeClr>
+            </a:gs>
+          </a:gsLst>
+          <a:path path="circle">
+            <a:fillToRect l="50000" t="50000" r="50000" b="50000"/>
+          </a:path>
+        </a:gradFill>
+      </a:bgFillStyleLst>
+    </a:fmtScheme>
+  </a:themeElements>
+</a:theme>
 </file>